--- a/Material/Pitch.pptx
+++ b/Material/Pitch.pptx
@@ -4,10 +4,15 @@
   <p:sldMasterIdLst>
     <p:sldMasterId id="2147483648" r:id="rId1"/>
   </p:sldMasterIdLst>
+  <p:notesMasterIdLst>
+    <p:notesMasterId r:id="rId7"/>
+  </p:notesMasterIdLst>
   <p:sldIdLst>
     <p:sldId id="256" r:id="rId2"/>
-    <p:sldId id="257" r:id="rId3"/>
-    <p:sldId id="258" r:id="rId4"/>
+    <p:sldId id="259" r:id="rId3"/>
+    <p:sldId id="257" r:id="rId4"/>
+    <p:sldId id="258" r:id="rId5"/>
+    <p:sldId id="260" r:id="rId6"/>
   </p:sldIdLst>
   <p:sldSz cx="12192000" cy="6858000"/>
   <p:notesSz cx="6858000" cy="9144000"/>
@@ -106,6 +111,11 @@
       </a:defRPr>
     </a:lvl9pPr>
   </p:defaultTextStyle>
+  <p:extLst>
+    <p:ext uri="{EFAFB233-063F-42B5-8137-9DF3F51BA10A}">
+      <p15:sldGuideLst xmlns:p15="http://schemas.microsoft.com/office/powerpoint/2012/main"/>
+    </p:ext>
+  </p:extLst>
 </p:presentation>
 </file>
 
@@ -942,6 +952,19 @@
         </a:p>
       </dgm:t>
     </dgm:pt>
+    <dgm:pt modelId="{B72B7B6A-4745-448D-931A-EAA3F9587395}" type="sibTrans" cxnId="{A3769E9E-335F-4169-AB76-CE88925AFD0D}">
+      <dgm:prSet/>
+      <dgm:spPr/>
+      <dgm:t>
+        <a:bodyPr/>
+        <a:lstStyle/>
+        <a:p>
+          <a:endParaRPr lang="en-US">
+            <a:latin typeface="Montserrat Black" panose="00000A00000000000000" pitchFamily="2" charset="0"/>
+          </a:endParaRPr>
+        </a:p>
+      </dgm:t>
+    </dgm:pt>
     <dgm:pt modelId="{32C23DA6-7EBB-4E55-BA8C-356F0C87B6AC}" type="parTrans" cxnId="{A3769E9E-335F-4169-AB76-CE88925AFD0D}">
       <dgm:prSet/>
       <dgm:spPr>
@@ -959,20 +982,7 @@
         </a:p>
       </dgm:t>
     </dgm:pt>
-    <dgm:pt modelId="{B72B7B6A-4745-448D-931A-EAA3F9587395}" type="sibTrans" cxnId="{A3769E9E-335F-4169-AB76-CE88925AFD0D}">
-      <dgm:prSet/>
-      <dgm:spPr/>
-      <dgm:t>
-        <a:bodyPr/>
-        <a:lstStyle/>
-        <a:p>
-          <a:endParaRPr lang="en-US">
-            <a:latin typeface="Montserrat Black" panose="00000A00000000000000" pitchFamily="2" charset="0"/>
-          </a:endParaRPr>
-        </a:p>
-      </dgm:t>
-    </dgm:pt>
-    <dgm:pt modelId="{6107CBB6-4767-49D9-A467-60A77414E6B9}">
+    <dgm:pt modelId="{6FE57AD2-868A-407D-9F16-1597CC963B45}">
       <dgm:prSet phldrT="[Text]"/>
       <dgm:spPr>
         <a:solidFill>
@@ -995,33 +1005,34 @@
         </a:p>
       </dgm:t>
     </dgm:pt>
-    <dgm:pt modelId="{1A469148-4A77-48FD-83E1-619AFACE67EF}" type="parTrans" cxnId="{5F854927-0FBB-492F-B343-32D9BFABEBE4}">
+    <dgm:pt modelId="{7A8941A5-C60E-4B69-BD57-D67020E3C8DE}" type="parTrans" cxnId="{6BB282F1-098F-490C-89D6-B6909F72C069}">
       <dgm:prSet/>
       <dgm:spPr>
         <a:solidFill>
           <a:srgbClr val="9CDE9F"/>
         </a:solidFill>
+        <a:ln>
+          <a:solidFill>
+            <a:srgbClr val="9CDE9F"/>
+          </a:solidFill>
+        </a:ln>
       </dgm:spPr>
       <dgm:t>
         <a:bodyPr/>
         <a:lstStyle/>
         <a:p>
-          <a:endParaRPr lang="en-US">
-            <a:latin typeface="Montserrat Black" panose="00000A00000000000000" pitchFamily="2" charset="0"/>
-          </a:endParaRPr>
+          <a:endParaRPr lang="en-US"/>
         </a:p>
       </dgm:t>
     </dgm:pt>
-    <dgm:pt modelId="{2C5E9356-F4A4-4D5F-8423-A96EE7CC2452}" type="sibTrans" cxnId="{5F854927-0FBB-492F-B343-32D9BFABEBE4}">
+    <dgm:pt modelId="{E9DA57BB-6896-4994-9E2A-603E32D3E074}" type="sibTrans" cxnId="{6BB282F1-098F-490C-89D6-B6909F72C069}">
       <dgm:prSet/>
       <dgm:spPr/>
       <dgm:t>
         <a:bodyPr/>
         <a:lstStyle/>
         <a:p>
-          <a:endParaRPr lang="en-US">
-            <a:latin typeface="Montserrat Black" panose="00000A00000000000000" pitchFamily="2" charset="0"/>
-          </a:endParaRPr>
+          <a:endParaRPr lang="en-US"/>
         </a:p>
       </dgm:t>
     </dgm:pt>
@@ -1035,6 +1046,13 @@
         </dgm:presLayoutVars>
       </dgm:prSet>
       <dgm:spPr/>
+      <dgm:t>
+        <a:bodyPr/>
+        <a:lstStyle/>
+        <a:p>
+          <a:endParaRPr lang="en-US"/>
+        </a:p>
+      </dgm:t>
     </dgm:pt>
     <dgm:pt modelId="{A0F397BE-73CF-4253-AB83-0E27474349A9}" type="pres">
       <dgm:prSet presAssocID="{32AB486D-84F3-49E5-8408-6B190DFC90C9}" presName="centerShape" presStyleLbl="node0" presStyleIdx="0" presStyleCnt="1"/>
@@ -1047,24 +1065,45 @@
         </a:p>
       </dgm:t>
     </dgm:pt>
-    <dgm:pt modelId="{DCFC6B76-B592-456B-8ABA-CC01314BCC41}" type="pres">
-      <dgm:prSet presAssocID="{32C23DA6-7EBB-4E55-BA8C-356F0C87B6AC}" presName="parTrans" presStyleLbl="bgSibTrans2D1" presStyleIdx="0" presStyleCnt="2"/>
+    <dgm:pt modelId="{5ED84024-48BE-449E-9588-91C8C41A0C0B}" type="pres">
+      <dgm:prSet presAssocID="{7A8941A5-C60E-4B69-BD57-D67020E3C8DE}" presName="parTrans" presStyleLbl="bgSibTrans2D1" presStyleIdx="0" presStyleCnt="2"/>
       <dgm:spPr/>
+      <dgm:t>
+        <a:bodyPr/>
+        <a:lstStyle/>
+        <a:p>
+          <a:endParaRPr lang="en-US"/>
+        </a:p>
+      </dgm:t>
     </dgm:pt>
-    <dgm:pt modelId="{418833E8-282C-4195-B6E1-D38DCA42275A}" type="pres">
-      <dgm:prSet presAssocID="{351CA6D0-47B5-4160-AF65-E4BD04248C68}" presName="node" presStyleLbl="node1" presStyleIdx="0" presStyleCnt="2">
+    <dgm:pt modelId="{F300BB8C-B2DB-4D21-BE00-15A7A81D2236}" type="pres">
+      <dgm:prSet presAssocID="{6FE57AD2-868A-407D-9F16-1597CC963B45}" presName="node" presStyleLbl="node1" presStyleIdx="0" presStyleCnt="2">
         <dgm:presLayoutVars>
           <dgm:bulletEnabled val="1"/>
         </dgm:presLayoutVars>
       </dgm:prSet>
       <dgm:spPr/>
+      <dgm:t>
+        <a:bodyPr/>
+        <a:lstStyle/>
+        <a:p>
+          <a:endParaRPr lang="en-US"/>
+        </a:p>
+      </dgm:t>
     </dgm:pt>
-    <dgm:pt modelId="{76273782-2CCA-47F8-AC29-F421309161EB}" type="pres">
-      <dgm:prSet presAssocID="{1A469148-4A77-48FD-83E1-619AFACE67EF}" presName="parTrans" presStyleLbl="bgSibTrans2D1" presStyleIdx="1" presStyleCnt="2"/>
+    <dgm:pt modelId="{DCFC6B76-B592-456B-8ABA-CC01314BCC41}" type="pres">
+      <dgm:prSet presAssocID="{32C23DA6-7EBB-4E55-BA8C-356F0C87B6AC}" presName="parTrans" presStyleLbl="bgSibTrans2D1" presStyleIdx="1" presStyleCnt="2"/>
       <dgm:spPr/>
+      <dgm:t>
+        <a:bodyPr/>
+        <a:lstStyle/>
+        <a:p>
+          <a:endParaRPr lang="en-US"/>
+        </a:p>
+      </dgm:t>
     </dgm:pt>
-    <dgm:pt modelId="{DD96E3FC-F497-4AD4-AA61-6F933C05F5D6}" type="pres">
-      <dgm:prSet presAssocID="{6107CBB6-4767-49D9-A467-60A77414E6B9}" presName="node" presStyleLbl="node1" presStyleIdx="1" presStyleCnt="2">
+    <dgm:pt modelId="{418833E8-282C-4195-B6E1-D38DCA42275A}" type="pres">
+      <dgm:prSet presAssocID="{351CA6D0-47B5-4160-AF65-E4BD04248C68}" presName="node" presStyleLbl="node1" presStyleIdx="1" presStyleCnt="2">
         <dgm:presLayoutVars>
           <dgm:bulletEnabled val="1"/>
         </dgm:presLayoutVars>
@@ -1080,20 +1119,20 @@
     </dgm:pt>
   </dgm:ptLst>
   <dgm:cxnLst>
-    <dgm:cxn modelId="{A3769E9E-335F-4169-AB76-CE88925AFD0D}" srcId="{32AB486D-84F3-49E5-8408-6B190DFC90C9}" destId="{351CA6D0-47B5-4160-AF65-E4BD04248C68}" srcOrd="0" destOrd="0" parTransId="{32C23DA6-7EBB-4E55-BA8C-356F0C87B6AC}" sibTransId="{B72B7B6A-4745-448D-931A-EAA3F9587395}"/>
-    <dgm:cxn modelId="{B84222CB-9200-4500-98A2-2DCB6D299E4D}" type="presOf" srcId="{6107CBB6-4767-49D9-A467-60A77414E6B9}" destId="{DD96E3FC-F497-4AD4-AA61-6F933C05F5D6}" srcOrd="0" destOrd="0" presId="urn:microsoft.com/office/officeart/2005/8/layout/radial4"/>
-    <dgm:cxn modelId="{818708B4-B47B-4D81-ADA3-9A89A72C3CCD}" srcId="{0ED77FEC-D19C-45B9-AD17-5E0F8770CFE6}" destId="{32AB486D-84F3-49E5-8408-6B190DFC90C9}" srcOrd="0" destOrd="0" parTransId="{341962D5-4D4E-4513-9BAE-05E9D69F8F13}" sibTransId="{1517A8F0-ED64-40DC-B445-6E993208F85D}"/>
+    <dgm:cxn modelId="{A3769E9E-335F-4169-AB76-CE88925AFD0D}" srcId="{32AB486D-84F3-49E5-8408-6B190DFC90C9}" destId="{351CA6D0-47B5-4160-AF65-E4BD04248C68}" srcOrd="1" destOrd="0" parTransId="{32C23DA6-7EBB-4E55-BA8C-356F0C87B6AC}" sibTransId="{B72B7B6A-4745-448D-931A-EAA3F9587395}"/>
+    <dgm:cxn modelId="{34071F0E-F1C3-484C-BC03-7430780D78B1}" type="presOf" srcId="{6FE57AD2-868A-407D-9F16-1597CC963B45}" destId="{F300BB8C-B2DB-4D21-BE00-15A7A81D2236}" srcOrd="0" destOrd="0" presId="urn:microsoft.com/office/officeart/2005/8/layout/radial4"/>
+    <dgm:cxn modelId="{0E321712-5422-4C3A-9AB0-4279C05C3779}" type="presOf" srcId="{32C23DA6-7EBB-4E55-BA8C-356F0C87B6AC}" destId="{DCFC6B76-B592-456B-8ABA-CC01314BCC41}" srcOrd="0" destOrd="0" presId="urn:microsoft.com/office/officeart/2005/8/layout/radial4"/>
+    <dgm:cxn modelId="{418C880B-4880-41FB-96E7-57074A0ADBD2}" type="presOf" srcId="{7A8941A5-C60E-4B69-BD57-D67020E3C8DE}" destId="{5ED84024-48BE-449E-9588-91C8C41A0C0B}" srcOrd="0" destOrd="0" presId="urn:microsoft.com/office/officeart/2005/8/layout/radial4"/>
     <dgm:cxn modelId="{1E54146A-6ADE-48A6-8D24-C70875812B9D}" type="presOf" srcId="{0ED77FEC-D19C-45B9-AD17-5E0F8770CFE6}" destId="{06C41DCD-7BB0-4EA5-B6C2-96A4537C64A4}" srcOrd="0" destOrd="0" presId="urn:microsoft.com/office/officeart/2005/8/layout/radial4"/>
     <dgm:cxn modelId="{EF9B7FE0-A0AB-4425-9ECD-1FC9EDF5FE82}" type="presOf" srcId="{351CA6D0-47B5-4160-AF65-E4BD04248C68}" destId="{418833E8-282C-4195-B6E1-D38DCA42275A}" srcOrd="0" destOrd="0" presId="urn:microsoft.com/office/officeart/2005/8/layout/radial4"/>
-    <dgm:cxn modelId="{ABAE8D1F-973D-4793-800C-C5230B342354}" type="presOf" srcId="{1A469148-4A77-48FD-83E1-619AFACE67EF}" destId="{76273782-2CCA-47F8-AC29-F421309161EB}" srcOrd="0" destOrd="0" presId="urn:microsoft.com/office/officeart/2005/8/layout/radial4"/>
-    <dgm:cxn modelId="{5F854927-0FBB-492F-B343-32D9BFABEBE4}" srcId="{32AB486D-84F3-49E5-8408-6B190DFC90C9}" destId="{6107CBB6-4767-49D9-A467-60A77414E6B9}" srcOrd="1" destOrd="0" parTransId="{1A469148-4A77-48FD-83E1-619AFACE67EF}" sibTransId="{2C5E9356-F4A4-4D5F-8423-A96EE7CC2452}"/>
-    <dgm:cxn modelId="{0E321712-5422-4C3A-9AB0-4279C05C3779}" type="presOf" srcId="{32C23DA6-7EBB-4E55-BA8C-356F0C87B6AC}" destId="{DCFC6B76-B592-456B-8ABA-CC01314BCC41}" srcOrd="0" destOrd="0" presId="urn:microsoft.com/office/officeart/2005/8/layout/radial4"/>
     <dgm:cxn modelId="{73407C9B-093A-404C-8B8B-1F45C0B59E72}" type="presOf" srcId="{32AB486D-84F3-49E5-8408-6B190DFC90C9}" destId="{A0F397BE-73CF-4253-AB83-0E27474349A9}" srcOrd="0" destOrd="0" presId="urn:microsoft.com/office/officeart/2005/8/layout/radial4"/>
+    <dgm:cxn modelId="{818708B4-B47B-4D81-ADA3-9A89A72C3CCD}" srcId="{0ED77FEC-D19C-45B9-AD17-5E0F8770CFE6}" destId="{32AB486D-84F3-49E5-8408-6B190DFC90C9}" srcOrd="0" destOrd="0" parTransId="{341962D5-4D4E-4513-9BAE-05E9D69F8F13}" sibTransId="{1517A8F0-ED64-40DC-B445-6E993208F85D}"/>
+    <dgm:cxn modelId="{6BB282F1-098F-490C-89D6-B6909F72C069}" srcId="{32AB486D-84F3-49E5-8408-6B190DFC90C9}" destId="{6FE57AD2-868A-407D-9F16-1597CC963B45}" srcOrd="0" destOrd="0" parTransId="{7A8941A5-C60E-4B69-BD57-D67020E3C8DE}" sibTransId="{E9DA57BB-6896-4994-9E2A-603E32D3E074}"/>
     <dgm:cxn modelId="{E067A5E3-4D64-4906-95A7-6E99F17A3B2A}" type="presParOf" srcId="{06C41DCD-7BB0-4EA5-B6C2-96A4537C64A4}" destId="{A0F397BE-73CF-4253-AB83-0E27474349A9}" srcOrd="0" destOrd="0" presId="urn:microsoft.com/office/officeart/2005/8/layout/radial4"/>
-    <dgm:cxn modelId="{C30D406D-6B77-46D0-ABC9-DBDE3BF95DC0}" type="presParOf" srcId="{06C41DCD-7BB0-4EA5-B6C2-96A4537C64A4}" destId="{DCFC6B76-B592-456B-8ABA-CC01314BCC41}" srcOrd="1" destOrd="0" presId="urn:microsoft.com/office/officeart/2005/8/layout/radial4"/>
-    <dgm:cxn modelId="{8751F799-02B9-4F8C-8246-4A0786AD822F}" type="presParOf" srcId="{06C41DCD-7BB0-4EA5-B6C2-96A4537C64A4}" destId="{418833E8-282C-4195-B6E1-D38DCA42275A}" srcOrd="2" destOrd="0" presId="urn:microsoft.com/office/officeart/2005/8/layout/radial4"/>
-    <dgm:cxn modelId="{891A182A-A4C3-4AF4-BA5B-0457F50A4919}" type="presParOf" srcId="{06C41DCD-7BB0-4EA5-B6C2-96A4537C64A4}" destId="{76273782-2CCA-47F8-AC29-F421309161EB}" srcOrd="3" destOrd="0" presId="urn:microsoft.com/office/officeart/2005/8/layout/radial4"/>
-    <dgm:cxn modelId="{F671AA29-9C34-4343-BEA3-B7660DDFC678}" type="presParOf" srcId="{06C41DCD-7BB0-4EA5-B6C2-96A4537C64A4}" destId="{DD96E3FC-F497-4AD4-AA61-6F933C05F5D6}" srcOrd="4" destOrd="0" presId="urn:microsoft.com/office/officeart/2005/8/layout/radial4"/>
+    <dgm:cxn modelId="{9C733A19-EC5D-4261-ABAF-265BE80C7683}" type="presParOf" srcId="{06C41DCD-7BB0-4EA5-B6C2-96A4537C64A4}" destId="{5ED84024-48BE-449E-9588-91C8C41A0C0B}" srcOrd="1" destOrd="0" presId="urn:microsoft.com/office/officeart/2005/8/layout/radial4"/>
+    <dgm:cxn modelId="{F2553C31-9DAC-4BE2-B33A-37E3893B64EB}" type="presParOf" srcId="{06C41DCD-7BB0-4EA5-B6C2-96A4537C64A4}" destId="{F300BB8C-B2DB-4D21-BE00-15A7A81D2236}" srcOrd="2" destOrd="0" presId="urn:microsoft.com/office/officeart/2005/8/layout/radial4"/>
+    <dgm:cxn modelId="{C30D406D-6B77-46D0-ABC9-DBDE3BF95DC0}" type="presParOf" srcId="{06C41DCD-7BB0-4EA5-B6C2-96A4537C64A4}" destId="{DCFC6B76-B592-456B-8ABA-CC01314BCC41}" srcOrd="3" destOrd="0" presId="urn:microsoft.com/office/officeart/2005/8/layout/radial4"/>
+    <dgm:cxn modelId="{8751F799-02B9-4F8C-8246-4A0786AD822F}" type="presParOf" srcId="{06C41DCD-7BB0-4EA5-B6C2-96A4537C64A4}" destId="{418833E8-282C-4195-B6E1-D38DCA42275A}" srcOrd="4" destOrd="0" presId="urn:microsoft.com/office/officeart/2005/8/layout/radial4"/>
   </dgm:cxnLst>
   <dgm:bg>
     <a:noFill/>
@@ -1192,7 +1231,7 @@
         <a:ext cx="1491239" cy="1491239"/>
       </dsp:txXfrm>
     </dsp:sp>
-    <dsp:sp modelId="{DCFC6B76-B592-456B-8ABA-CC01314BCC41}">
+    <dsp:sp modelId="{5ED84024-48BE-449E-9588-91C8C41A0C0B}">
       <dsp:nvSpPr>
         <dsp:cNvPr id="0" name=""/>
         <dsp:cNvSpPr/>
@@ -1212,7 +1251,9 @@
           <a:srgbClr val="9CDE9F"/>
         </a:solidFill>
         <a:ln>
-          <a:noFill/>
+          <a:solidFill>
+            <a:srgbClr val="9CDE9F"/>
+          </a:solidFill>
         </a:ln>
         <a:effectLst/>
       </dsp:spPr>
@@ -1231,7 +1272,7 @@
         </a:fontRef>
       </dsp:style>
     </dsp:sp>
-    <dsp:sp modelId="{418833E8-282C-4195-B6E1-D38DCA42275A}">
+    <dsp:sp modelId="{F300BB8C-B2DB-4D21-BE00-15A7A81D2236}">
       <dsp:nvSpPr>
         <dsp:cNvPr id="0" name=""/>
         <dsp:cNvSpPr/>
@@ -1298,7 +1339,7 @@
             <a:rPr lang="en-US" sz="2600" kern="1200" dirty="0" smtClean="0">
               <a:latin typeface="Montserrat Black" panose="00000A00000000000000" pitchFamily="2" charset="0"/>
             </a:rPr>
-            <a:t>REQUIRES MINIMAL EFFORT</a:t>
+            <a:t>WE DON’T NOTICE IT</a:t>
           </a:r>
           <a:endParaRPr lang="en-US" sz="2600" kern="1200" dirty="0">
             <a:latin typeface="Montserrat Black" panose="00000A00000000000000" pitchFamily="2" charset="0"/>
@@ -1310,7 +1351,7 @@
         <a:ext cx="1909596" cy="1508899"/>
       </dsp:txXfrm>
     </dsp:sp>
-    <dsp:sp modelId="{76273782-2CCA-47F8-AC29-F421309161EB}">
+    <dsp:sp modelId="{DCFC6B76-B592-456B-8ABA-CC01314BCC41}">
       <dsp:nvSpPr>
         <dsp:cNvPr id="0" name=""/>
         <dsp:cNvSpPr/>
@@ -1349,7 +1390,7 @@
         </a:fontRef>
       </dsp:style>
     </dsp:sp>
-    <dsp:sp modelId="{DD96E3FC-F497-4AD4-AA61-6F933C05F5D6}">
+    <dsp:sp modelId="{418833E8-282C-4195-B6E1-D38DCA42275A}">
       <dsp:nvSpPr>
         <dsp:cNvPr id="0" name=""/>
         <dsp:cNvSpPr/>
@@ -1416,7 +1457,7 @@
             <a:rPr lang="en-US" sz="2600" kern="1200" dirty="0" smtClean="0">
               <a:latin typeface="Montserrat Black" panose="00000A00000000000000" pitchFamily="2" charset="0"/>
             </a:rPr>
-            <a:t>WE DON’T NOTICE IT</a:t>
+            <a:t>REQUIRES MINIMAL EFFORT</a:t>
           </a:r>
           <a:endParaRPr lang="en-US" sz="2600" kern="1200" dirty="0">
             <a:latin typeface="Montserrat Black" panose="00000A00000000000000" pitchFamily="2" charset="0"/>
@@ -2724,6 +2765,483 @@
     </dgm:style>
   </dgm:styleLbl>
 </dgm:styleDef>
+</file>
+
+<file path=ppt/notesMasters/notesMaster1.xml><?xml version="1.0" encoding="utf-8"?>
+<p:notesMaster xmlns:a="http://schemas.openxmlformats.org/drawingml/2006/main" xmlns:r="http://schemas.openxmlformats.org/officeDocument/2006/relationships" xmlns:p="http://schemas.openxmlformats.org/presentationml/2006/main">
+  <p:cSld>
+    <p:bg>
+      <p:bgRef idx="1001">
+        <a:schemeClr val="bg1"/>
+      </p:bgRef>
+    </p:bg>
+    <p:spTree>
+      <p:nvGrpSpPr>
+        <p:cNvPr id="1" name=""/>
+        <p:cNvGrpSpPr/>
+        <p:nvPr/>
+      </p:nvGrpSpPr>
+      <p:grpSpPr>
+        <a:xfrm>
+          <a:off x="0" y="0"/>
+          <a:ext cx="0" cy="0"/>
+          <a:chOff x="0" y="0"/>
+          <a:chExt cx="0" cy="0"/>
+        </a:xfrm>
+      </p:grpSpPr>
+      <p:sp>
+        <p:nvSpPr>
+          <p:cNvPr id="2" name="Header Placeholder 1"/>
+          <p:cNvSpPr>
+            <a:spLocks noGrp="1"/>
+          </p:cNvSpPr>
+          <p:nvPr>
+            <p:ph type="hdr" sz="quarter"/>
+          </p:nvPr>
+        </p:nvSpPr>
+        <p:spPr>
+          <a:xfrm>
+            <a:off x="0" y="0"/>
+            <a:ext cx="2971800" cy="458788"/>
+          </a:xfrm>
+          <a:prstGeom prst="rect">
+            <a:avLst/>
+          </a:prstGeom>
+        </p:spPr>
+        <p:txBody>
+          <a:bodyPr vert="horz" lIns="91440" tIns="45720" rIns="91440" bIns="45720" rtlCol="0"/>
+          <a:lstStyle>
+            <a:lvl1pPr algn="l">
+              <a:defRPr sz="1200"/>
+            </a:lvl1pPr>
+          </a:lstStyle>
+          <a:p>
+            <a:endParaRPr lang="en-US"/>
+          </a:p>
+        </p:txBody>
+      </p:sp>
+      <p:sp>
+        <p:nvSpPr>
+          <p:cNvPr id="3" name="Date Placeholder 2"/>
+          <p:cNvSpPr>
+            <a:spLocks noGrp="1"/>
+          </p:cNvSpPr>
+          <p:nvPr>
+            <p:ph type="dt" idx="1"/>
+          </p:nvPr>
+        </p:nvSpPr>
+        <p:spPr>
+          <a:xfrm>
+            <a:off x="3884613" y="0"/>
+            <a:ext cx="2971800" cy="458788"/>
+          </a:xfrm>
+          <a:prstGeom prst="rect">
+            <a:avLst/>
+          </a:prstGeom>
+        </p:spPr>
+        <p:txBody>
+          <a:bodyPr vert="horz" lIns="91440" tIns="45720" rIns="91440" bIns="45720" rtlCol="0"/>
+          <a:lstStyle>
+            <a:lvl1pPr algn="r">
+              <a:defRPr sz="1200"/>
+            </a:lvl1pPr>
+          </a:lstStyle>
+          <a:p>
+            <a:fld id="{335E93A2-54D5-435B-B74A-FFA3683D1E55}" type="datetimeFigureOut">
+              <a:rPr lang="en-US" smtClean="0"/>
+              <a:t>19-Oct-19</a:t>
+            </a:fld>
+            <a:endParaRPr lang="en-US"/>
+          </a:p>
+        </p:txBody>
+      </p:sp>
+      <p:sp>
+        <p:nvSpPr>
+          <p:cNvPr id="4" name="Slide Image Placeholder 3"/>
+          <p:cNvSpPr>
+            <a:spLocks noGrp="1" noRot="1" noChangeAspect="1"/>
+          </p:cNvSpPr>
+          <p:nvPr>
+            <p:ph type="sldImg" idx="2"/>
+          </p:nvPr>
+        </p:nvSpPr>
+        <p:spPr>
+          <a:xfrm>
+            <a:off x="685800" y="1143000"/>
+            <a:ext cx="5486400" cy="3086100"/>
+          </a:xfrm>
+          <a:prstGeom prst="rect">
+            <a:avLst/>
+          </a:prstGeom>
+          <a:noFill/>
+          <a:ln w="12700">
+            <a:solidFill>
+              <a:prstClr val="black"/>
+            </a:solidFill>
+          </a:ln>
+        </p:spPr>
+        <p:txBody>
+          <a:bodyPr vert="horz" lIns="91440" tIns="45720" rIns="91440" bIns="45720" rtlCol="0" anchor="ctr"/>
+          <a:lstStyle/>
+          <a:p>
+            <a:endParaRPr lang="en-US"/>
+          </a:p>
+        </p:txBody>
+      </p:sp>
+      <p:sp>
+        <p:nvSpPr>
+          <p:cNvPr id="5" name="Notes Placeholder 4"/>
+          <p:cNvSpPr>
+            <a:spLocks noGrp="1"/>
+          </p:cNvSpPr>
+          <p:nvPr>
+            <p:ph type="body" sz="quarter" idx="3"/>
+          </p:nvPr>
+        </p:nvSpPr>
+        <p:spPr>
+          <a:xfrm>
+            <a:off x="685800" y="4400550"/>
+            <a:ext cx="5486400" cy="3600450"/>
+          </a:xfrm>
+          <a:prstGeom prst="rect">
+            <a:avLst/>
+          </a:prstGeom>
+        </p:spPr>
+        <p:txBody>
+          <a:bodyPr vert="horz" lIns="91440" tIns="45720" rIns="91440" bIns="45720" rtlCol="0"/>
+          <a:lstStyle/>
+          <a:p>
+            <a:pPr lvl="0"/>
+            <a:r>
+              <a:rPr lang="en-US" smtClean="0"/>
+              <a:t>Click to edit Master text styles</a:t>
+            </a:r>
+          </a:p>
+          <a:p>
+            <a:pPr lvl="1"/>
+            <a:r>
+              <a:rPr lang="en-US" smtClean="0"/>
+              <a:t>Second level</a:t>
+            </a:r>
+          </a:p>
+          <a:p>
+            <a:pPr lvl="2"/>
+            <a:r>
+              <a:rPr lang="en-US" smtClean="0"/>
+              <a:t>Third level</a:t>
+            </a:r>
+          </a:p>
+          <a:p>
+            <a:pPr lvl="3"/>
+            <a:r>
+              <a:rPr lang="en-US" smtClean="0"/>
+              <a:t>Fourth level</a:t>
+            </a:r>
+          </a:p>
+          <a:p>
+            <a:pPr lvl="4"/>
+            <a:r>
+              <a:rPr lang="en-US" smtClean="0"/>
+              <a:t>Fifth level</a:t>
+            </a:r>
+            <a:endParaRPr lang="en-US"/>
+          </a:p>
+        </p:txBody>
+      </p:sp>
+      <p:sp>
+        <p:nvSpPr>
+          <p:cNvPr id="6" name="Footer Placeholder 5"/>
+          <p:cNvSpPr>
+            <a:spLocks noGrp="1"/>
+          </p:cNvSpPr>
+          <p:nvPr>
+            <p:ph type="ftr" sz="quarter" idx="4"/>
+          </p:nvPr>
+        </p:nvSpPr>
+        <p:spPr>
+          <a:xfrm>
+            <a:off x="0" y="8685213"/>
+            <a:ext cx="2971800" cy="458787"/>
+          </a:xfrm>
+          <a:prstGeom prst="rect">
+            <a:avLst/>
+          </a:prstGeom>
+        </p:spPr>
+        <p:txBody>
+          <a:bodyPr vert="horz" lIns="91440" tIns="45720" rIns="91440" bIns="45720" rtlCol="0" anchor="b"/>
+          <a:lstStyle>
+            <a:lvl1pPr algn="l">
+              <a:defRPr sz="1200"/>
+            </a:lvl1pPr>
+          </a:lstStyle>
+          <a:p>
+            <a:endParaRPr lang="en-US"/>
+          </a:p>
+        </p:txBody>
+      </p:sp>
+      <p:sp>
+        <p:nvSpPr>
+          <p:cNvPr id="7" name="Slide Number Placeholder 6"/>
+          <p:cNvSpPr>
+            <a:spLocks noGrp="1"/>
+          </p:cNvSpPr>
+          <p:nvPr>
+            <p:ph type="sldNum" sz="quarter" idx="5"/>
+          </p:nvPr>
+        </p:nvSpPr>
+        <p:spPr>
+          <a:xfrm>
+            <a:off x="3884613" y="8685213"/>
+            <a:ext cx="2971800" cy="458787"/>
+          </a:xfrm>
+          <a:prstGeom prst="rect">
+            <a:avLst/>
+          </a:prstGeom>
+        </p:spPr>
+        <p:txBody>
+          <a:bodyPr vert="horz" lIns="91440" tIns="45720" rIns="91440" bIns="45720" rtlCol="0" anchor="b"/>
+          <a:lstStyle>
+            <a:lvl1pPr algn="r">
+              <a:defRPr sz="1200"/>
+            </a:lvl1pPr>
+          </a:lstStyle>
+          <a:p>
+            <a:fld id="{C9688065-1B6B-4AB6-8FCA-6E1DD74347C8}" type="slidenum">
+              <a:rPr lang="en-US" smtClean="0"/>
+              <a:t>‹#›</a:t>
+            </a:fld>
+            <a:endParaRPr lang="en-US"/>
+          </a:p>
+        </p:txBody>
+      </p:sp>
+    </p:spTree>
+    <p:extLst>
+      <p:ext uri="{BB962C8B-B14F-4D97-AF65-F5344CB8AC3E}">
+        <p14:creationId xmlns:p14="http://schemas.microsoft.com/office/powerpoint/2010/main" val="472596524"/>
+      </p:ext>
+    </p:extLst>
+  </p:cSld>
+  <p:clrMap bg1="lt1" tx1="dk1" bg2="lt2" tx2="dk2" accent1="accent1" accent2="accent2" accent3="accent3" accent4="accent4" accent5="accent5" accent6="accent6" hlink="hlink" folHlink="folHlink"/>
+  <p:notesStyle>
+    <a:lvl1pPr marL="0" algn="l" defTabSz="914400" rtl="0" eaLnBrk="1" latinLnBrk="0" hangingPunct="1">
+      <a:defRPr sz="1200" kern="1200">
+        <a:solidFill>
+          <a:schemeClr val="tx1"/>
+        </a:solidFill>
+        <a:latin typeface="+mn-lt"/>
+        <a:ea typeface="+mn-ea"/>
+        <a:cs typeface="+mn-cs"/>
+      </a:defRPr>
+    </a:lvl1pPr>
+    <a:lvl2pPr marL="457200" algn="l" defTabSz="914400" rtl="0" eaLnBrk="1" latinLnBrk="0" hangingPunct="1">
+      <a:defRPr sz="1200" kern="1200">
+        <a:solidFill>
+          <a:schemeClr val="tx1"/>
+        </a:solidFill>
+        <a:latin typeface="+mn-lt"/>
+        <a:ea typeface="+mn-ea"/>
+        <a:cs typeface="+mn-cs"/>
+      </a:defRPr>
+    </a:lvl2pPr>
+    <a:lvl3pPr marL="914400" algn="l" defTabSz="914400" rtl="0" eaLnBrk="1" latinLnBrk="0" hangingPunct="1">
+      <a:defRPr sz="1200" kern="1200">
+        <a:solidFill>
+          <a:schemeClr val="tx1"/>
+        </a:solidFill>
+        <a:latin typeface="+mn-lt"/>
+        <a:ea typeface="+mn-ea"/>
+        <a:cs typeface="+mn-cs"/>
+      </a:defRPr>
+    </a:lvl3pPr>
+    <a:lvl4pPr marL="1371600" algn="l" defTabSz="914400" rtl="0" eaLnBrk="1" latinLnBrk="0" hangingPunct="1">
+      <a:defRPr sz="1200" kern="1200">
+        <a:solidFill>
+          <a:schemeClr val="tx1"/>
+        </a:solidFill>
+        <a:latin typeface="+mn-lt"/>
+        <a:ea typeface="+mn-ea"/>
+        <a:cs typeface="+mn-cs"/>
+      </a:defRPr>
+    </a:lvl4pPr>
+    <a:lvl5pPr marL="1828800" algn="l" defTabSz="914400" rtl="0" eaLnBrk="1" latinLnBrk="0" hangingPunct="1">
+      <a:defRPr sz="1200" kern="1200">
+        <a:solidFill>
+          <a:schemeClr val="tx1"/>
+        </a:solidFill>
+        <a:latin typeface="+mn-lt"/>
+        <a:ea typeface="+mn-ea"/>
+        <a:cs typeface="+mn-cs"/>
+      </a:defRPr>
+    </a:lvl5pPr>
+    <a:lvl6pPr marL="2286000" algn="l" defTabSz="914400" rtl="0" eaLnBrk="1" latinLnBrk="0" hangingPunct="1">
+      <a:defRPr sz="1200" kern="1200">
+        <a:solidFill>
+          <a:schemeClr val="tx1"/>
+        </a:solidFill>
+        <a:latin typeface="+mn-lt"/>
+        <a:ea typeface="+mn-ea"/>
+        <a:cs typeface="+mn-cs"/>
+      </a:defRPr>
+    </a:lvl6pPr>
+    <a:lvl7pPr marL="2743200" algn="l" defTabSz="914400" rtl="0" eaLnBrk="1" latinLnBrk="0" hangingPunct="1">
+      <a:defRPr sz="1200" kern="1200">
+        <a:solidFill>
+          <a:schemeClr val="tx1"/>
+        </a:solidFill>
+        <a:latin typeface="+mn-lt"/>
+        <a:ea typeface="+mn-ea"/>
+        <a:cs typeface="+mn-cs"/>
+      </a:defRPr>
+    </a:lvl7pPr>
+    <a:lvl8pPr marL="3200400" algn="l" defTabSz="914400" rtl="0" eaLnBrk="1" latinLnBrk="0" hangingPunct="1">
+      <a:defRPr sz="1200" kern="1200">
+        <a:solidFill>
+          <a:schemeClr val="tx1"/>
+        </a:solidFill>
+        <a:latin typeface="+mn-lt"/>
+        <a:ea typeface="+mn-ea"/>
+        <a:cs typeface="+mn-cs"/>
+      </a:defRPr>
+    </a:lvl8pPr>
+    <a:lvl9pPr marL="3657600" algn="l" defTabSz="914400" rtl="0" eaLnBrk="1" latinLnBrk="0" hangingPunct="1">
+      <a:defRPr sz="1200" kern="1200">
+        <a:solidFill>
+          <a:schemeClr val="tx1"/>
+        </a:solidFill>
+        <a:latin typeface="+mn-lt"/>
+        <a:ea typeface="+mn-ea"/>
+        <a:cs typeface="+mn-cs"/>
+      </a:defRPr>
+    </a:lvl9pPr>
+  </p:notesStyle>
+</p:notesMaster>
+</file>
+
+<file path=ppt/notesSlides/notesSlide1.xml><?xml version="1.0" encoding="utf-8"?>
+<p:notes xmlns:a="http://schemas.openxmlformats.org/drawingml/2006/main" xmlns:r="http://schemas.openxmlformats.org/officeDocument/2006/relationships" xmlns:p="http://schemas.openxmlformats.org/presentationml/2006/main">
+  <p:cSld>
+    <p:spTree>
+      <p:nvGrpSpPr>
+        <p:cNvPr id="1" name=""/>
+        <p:cNvGrpSpPr/>
+        <p:nvPr/>
+      </p:nvGrpSpPr>
+      <p:grpSpPr>
+        <a:xfrm>
+          <a:off x="0" y="0"/>
+          <a:ext cx="0" cy="0"/>
+          <a:chOff x="0" y="0"/>
+          <a:chExt cx="0" cy="0"/>
+        </a:xfrm>
+      </p:grpSpPr>
+      <p:sp>
+        <p:nvSpPr>
+          <p:cNvPr id="2" name="Slide Image Placeholder 1"/>
+          <p:cNvSpPr>
+            <a:spLocks noGrp="1" noRot="1" noChangeAspect="1"/>
+          </p:cNvSpPr>
+          <p:nvPr>
+            <p:ph type="sldImg"/>
+          </p:nvPr>
+        </p:nvSpPr>
+        <p:spPr/>
+      </p:sp>
+      <p:sp>
+        <p:nvSpPr>
+          <p:cNvPr id="3" name="Notes Placeholder 2"/>
+          <p:cNvSpPr>
+            <a:spLocks noGrp="1"/>
+          </p:cNvSpPr>
+          <p:nvPr>
+            <p:ph type="body" idx="1"/>
+          </p:nvPr>
+        </p:nvSpPr>
+        <p:spPr/>
+        <p:txBody>
+          <a:bodyPr/>
+          <a:lstStyle/>
+          <a:p>
+            <a:r>
+              <a:rPr lang="en-US" sz="1200" b="0" i="0" kern="1200" dirty="0" smtClean="0">
+                <a:solidFill>
+                  <a:schemeClr val="tx1"/>
+                </a:solidFill>
+                <a:effectLst/>
+                <a:latin typeface="+mn-lt"/>
+                <a:ea typeface="+mn-ea"/>
+                <a:cs typeface="+mn-cs"/>
+              </a:rPr>
+              <a:t>The number of natural disasters and escalated conflicts has significantly increased over recent years. Financing from traditional sources is no longer sufficient to cover humanitarian relief operations, and funding gaps are reaching threatening levels.</a:t>
+            </a:r>
+          </a:p>
+          <a:p>
+            <a:r>
+              <a:rPr lang="en-US" sz="1200" b="0" i="0" kern="1200" dirty="0" smtClean="0">
+                <a:solidFill>
+                  <a:schemeClr val="tx1"/>
+                </a:solidFill>
+                <a:effectLst/>
+                <a:latin typeface="+mn-lt"/>
+                <a:ea typeface="+mn-ea"/>
+                <a:cs typeface="+mn-cs"/>
+              </a:rPr>
+              <a:t>Looking ahead, the widening gap between the number of affected people and sufficient resources will be the greatest challenge facing the humanitarian system.</a:t>
+            </a:r>
+          </a:p>
+          <a:p>
+            <a:endParaRPr lang="en-US" dirty="0" smtClean="0"/>
+          </a:p>
+          <a:p>
+            <a:r>
+              <a:rPr lang="en-US" sz="1200" b="0" i="0" kern="1200" dirty="0" smtClean="0">
+                <a:solidFill>
+                  <a:schemeClr val="tx1"/>
+                </a:solidFill>
+                <a:effectLst/>
+                <a:latin typeface="+mn-lt"/>
+                <a:ea typeface="+mn-ea"/>
+                <a:cs typeface="+mn-cs"/>
+              </a:rPr>
+              <a:t>For 2017, the United Nations Office for the Coordination of Humanitarian Affairs (OCHA) estimated that $23.5 billion in humanitarian funds would be necessary to support 101.2 million people in 37 countries. But, by mid-year, a mere $3.5 billion had been mobilized, leaving a frightful funding gap of $20.0 billion (85%) to be mobilized before the end of the year. In analyzing fundraising records from past years, it becomes evident that traditional fundraising is no longer sufficient. We need to radically change the way we fundraise for humanitarian relief aid, experimenting with and capitalizing on innovative fundraising methodologies.</a:t>
+            </a:r>
+            <a:endParaRPr lang="en-US" dirty="0"/>
+          </a:p>
+        </p:txBody>
+      </p:sp>
+      <p:sp>
+        <p:nvSpPr>
+          <p:cNvPr id="4" name="Slide Number Placeholder 3"/>
+          <p:cNvSpPr>
+            <a:spLocks noGrp="1"/>
+          </p:cNvSpPr>
+          <p:nvPr>
+            <p:ph type="sldNum" sz="quarter" idx="10"/>
+          </p:nvPr>
+        </p:nvSpPr>
+        <p:spPr/>
+        <p:txBody>
+          <a:bodyPr/>
+          <a:lstStyle/>
+          <a:p>
+            <a:fld id="{C9688065-1B6B-4AB6-8FCA-6E1DD74347C8}" type="slidenum">
+              <a:rPr lang="en-US" smtClean="0"/>
+              <a:t>2</a:t>
+            </a:fld>
+            <a:endParaRPr lang="en-US"/>
+          </a:p>
+        </p:txBody>
+      </p:sp>
+    </p:spTree>
+    <p:extLst>
+      <p:ext uri="{BB962C8B-B14F-4D97-AF65-F5344CB8AC3E}">
+        <p14:creationId xmlns:p14="http://schemas.microsoft.com/office/powerpoint/2010/main" val="2450809736"/>
+      </p:ext>
+    </p:extLst>
+  </p:cSld>
+  <p:clrMapOvr>
+    <a:masterClrMapping/>
+  </p:clrMapOvr>
+</p:notes>
 </file>
 
 <file path=ppt/slideLayouts/slideLayout1.xml><?xml version="1.0" encoding="utf-8"?>
@@ -5679,14 +6197,487 @@
   <p:timing>
     <p:tnLst>
       <p:par>
-        <p:cTn id="1" dur="indefinite" restart="never" nodeType="tmRoot"/>
+        <p:cTn id="1" dur="indefinite" restart="never" nodeType="tmRoot">
+          <p:childTnLst>
+            <p:seq concurrent="1" nextAc="seek">
+              <p:cTn id="2" dur="indefinite" nodeType="mainSeq">
+                <p:childTnLst>
+                  <p:par>
+                    <p:cTn id="3" fill="hold">
+                      <p:stCondLst>
+                        <p:cond delay="indefinite"/>
+                      </p:stCondLst>
+                      <p:childTnLst>
+                        <p:par>
+                          <p:cTn id="4" fill="hold">
+                            <p:stCondLst>
+                              <p:cond delay="0"/>
+                            </p:stCondLst>
+                            <p:childTnLst>
+                              <p:par>
+                                <p:cTn id="5" presetID="10" presetClass="entr" presetSubtype="0" fill="hold" nodeType="clickEffect">
+                                  <p:stCondLst>
+                                    <p:cond delay="0"/>
+                                  </p:stCondLst>
+                                  <p:childTnLst>
+                                    <p:set>
+                                      <p:cBhvr>
+                                        <p:cTn id="6" dur="1" fill="hold">
+                                          <p:stCondLst>
+                                            <p:cond delay="0"/>
+                                          </p:stCondLst>
+                                        </p:cTn>
+                                        <p:tgtEl>
+                                          <p:spTgt spid="4"/>
+                                        </p:tgtEl>
+                                        <p:attrNameLst>
+                                          <p:attrName>style.visibility</p:attrName>
+                                        </p:attrNameLst>
+                                      </p:cBhvr>
+                                      <p:to>
+                                        <p:strVal val="visible"/>
+                                      </p:to>
+                                    </p:set>
+                                    <p:animEffect transition="in" filter="fade">
+                                      <p:cBhvr>
+                                        <p:cTn id="7" dur="500"/>
+                                        <p:tgtEl>
+                                          <p:spTgt spid="4"/>
+                                        </p:tgtEl>
+                                      </p:cBhvr>
+                                    </p:animEffect>
+                                  </p:childTnLst>
+                                </p:cTn>
+                              </p:par>
+                            </p:childTnLst>
+                          </p:cTn>
+                        </p:par>
+                      </p:childTnLst>
+                    </p:cTn>
+                  </p:par>
+                  <p:par>
+                    <p:cTn id="8" fill="hold">
+                      <p:stCondLst>
+                        <p:cond delay="indefinite"/>
+                      </p:stCondLst>
+                      <p:childTnLst>
+                        <p:par>
+                          <p:cTn id="9" fill="hold">
+                            <p:stCondLst>
+                              <p:cond delay="0"/>
+                            </p:stCondLst>
+                            <p:childTnLst>
+                              <p:par>
+                                <p:cTn id="10" presetID="10" presetClass="entr" presetSubtype="0" fill="hold" grpId="0" nodeType="clickEffect">
+                                  <p:stCondLst>
+                                    <p:cond delay="0"/>
+                                  </p:stCondLst>
+                                  <p:childTnLst>
+                                    <p:set>
+                                      <p:cBhvr>
+                                        <p:cTn id="11" dur="1" fill="hold">
+                                          <p:stCondLst>
+                                            <p:cond delay="0"/>
+                                          </p:stCondLst>
+                                        </p:cTn>
+                                        <p:tgtEl>
+                                          <p:spTgt spid="3">
+                                            <p:txEl>
+                                              <p:pRg st="0" end="0"/>
+                                            </p:txEl>
+                                          </p:spTgt>
+                                        </p:tgtEl>
+                                        <p:attrNameLst>
+                                          <p:attrName>style.visibility</p:attrName>
+                                        </p:attrNameLst>
+                                      </p:cBhvr>
+                                      <p:to>
+                                        <p:strVal val="visible"/>
+                                      </p:to>
+                                    </p:set>
+                                    <p:animEffect transition="in" filter="fade">
+                                      <p:cBhvr>
+                                        <p:cTn id="12" dur="500"/>
+                                        <p:tgtEl>
+                                          <p:spTgt spid="3">
+                                            <p:txEl>
+                                              <p:pRg st="0" end="0"/>
+                                            </p:txEl>
+                                          </p:spTgt>
+                                        </p:tgtEl>
+                                      </p:cBhvr>
+                                    </p:animEffect>
+                                  </p:childTnLst>
+                                </p:cTn>
+                              </p:par>
+                            </p:childTnLst>
+                          </p:cTn>
+                        </p:par>
+                      </p:childTnLst>
+                    </p:cTn>
+                  </p:par>
+                </p:childTnLst>
+              </p:cTn>
+              <p:prevCondLst>
+                <p:cond evt="onPrev" delay="0">
+                  <p:tgtEl>
+                    <p:sldTgt/>
+                  </p:tgtEl>
+                </p:cond>
+              </p:prevCondLst>
+              <p:nextCondLst>
+                <p:cond evt="onNext" delay="0">
+                  <p:tgtEl>
+                    <p:sldTgt/>
+                  </p:tgtEl>
+                </p:cond>
+              </p:nextCondLst>
+            </p:seq>
+          </p:childTnLst>
+        </p:cTn>
       </p:par>
     </p:tnLst>
+    <p:bldLst>
+      <p:bldP spid="3" grpId="0" build="p"/>
+    </p:bldLst>
   </p:timing>
 </p:sld>
 </file>
 
 <file path=ppt/slides/slide2.xml><?xml version="1.0" encoding="utf-8"?>
+<p:sld xmlns:a="http://schemas.openxmlformats.org/drawingml/2006/main" xmlns:r="http://schemas.openxmlformats.org/officeDocument/2006/relationships" xmlns:p="http://schemas.openxmlformats.org/presentationml/2006/main">
+  <p:cSld>
+    <p:spTree>
+      <p:nvGrpSpPr>
+        <p:cNvPr id="1" name=""/>
+        <p:cNvGrpSpPr/>
+        <p:nvPr/>
+      </p:nvGrpSpPr>
+      <p:grpSpPr>
+        <a:xfrm>
+          <a:off x="0" y="0"/>
+          <a:ext cx="0" cy="0"/>
+          <a:chOff x="0" y="0"/>
+          <a:chExt cx="0" cy="0"/>
+        </a:xfrm>
+      </p:grpSpPr>
+      <p:sp>
+        <p:nvSpPr>
+          <p:cNvPr id="2" name="Title 1"/>
+          <p:cNvSpPr>
+            <a:spLocks noGrp="1"/>
+          </p:cNvSpPr>
+          <p:nvPr>
+            <p:ph type="title"/>
+          </p:nvPr>
+        </p:nvSpPr>
+        <p:spPr/>
+        <p:txBody>
+          <a:bodyPr/>
+          <a:lstStyle/>
+          <a:p>
+            <a:r>
+              <a:rPr lang="en-US" dirty="0" smtClean="0">
+                <a:latin typeface="Montserrat Black" panose="00000A00000000000000" pitchFamily="2" charset="0"/>
+              </a:rPr>
+              <a:t>WE HAVE A PROBLEM…</a:t>
+            </a:r>
+            <a:endParaRPr lang="en-US" dirty="0">
+              <a:latin typeface="Montserrat Black" panose="00000A00000000000000" pitchFamily="2" charset="0"/>
+            </a:endParaRPr>
+          </a:p>
+        </p:txBody>
+      </p:sp>
+      <p:pic>
+        <p:nvPicPr>
+          <p:cNvPr id="4" name="Content Placeholder 3"/>
+          <p:cNvPicPr>
+            <a:picLocks noGrp="1" noChangeAspect="1"/>
+          </p:cNvPicPr>
+          <p:nvPr>
+            <p:ph idx="1"/>
+          </p:nvPr>
+        </p:nvPicPr>
+        <p:blipFill>
+          <a:blip r:embed="rId3" cstate="print">
+            <a:extLst>
+              <a:ext uri="{28A0092B-C50C-407E-A947-70E740481C1C}">
+                <a14:useLocalDpi xmlns:a14="http://schemas.microsoft.com/office/drawing/2010/main" val="0"/>
+              </a:ext>
+            </a:extLst>
+          </a:blip>
+          <a:stretch>
+            <a:fillRect/>
+          </a:stretch>
+        </p:blipFill>
+        <p:spPr>
+          <a:xfrm>
+            <a:off x="838200" y="2142808"/>
+            <a:ext cx="10515600" cy="3716972"/>
+          </a:xfrm>
+        </p:spPr>
+      </p:pic>
+      <p:sp>
+        <p:nvSpPr>
+          <p:cNvPr id="5" name="TextBox 4"/>
+          <p:cNvSpPr txBox="1"/>
+          <p:nvPr/>
+        </p:nvSpPr>
+        <p:spPr>
+          <a:xfrm>
+            <a:off x="2615184" y="5942568"/>
+            <a:ext cx="7370064" cy="369332"/>
+          </a:xfrm>
+          <a:prstGeom prst="rect">
+            <a:avLst/>
+          </a:prstGeom>
+          <a:noFill/>
+        </p:spPr>
+        <p:txBody>
+          <a:bodyPr wrap="square" rtlCol="0">
+            <a:spAutoFit/>
+          </a:bodyPr>
+          <a:lstStyle/>
+          <a:p>
+            <a:r>
+              <a:rPr lang="en-US" dirty="0">
+                <a:latin typeface="Montserrat" panose="00000500000000000000" pitchFamily="2" charset="0"/>
+              </a:rPr>
+              <a:t>Funding Trends (Source: OCHA, Global Humanitarian Overview)</a:t>
+            </a:r>
+          </a:p>
+        </p:txBody>
+      </p:sp>
+    </p:spTree>
+    <p:extLst>
+      <p:ext uri="{BB962C8B-B14F-4D97-AF65-F5344CB8AC3E}">
+        <p14:creationId xmlns:p14="http://schemas.microsoft.com/office/powerpoint/2010/main" val="911794834"/>
+      </p:ext>
+    </p:extLst>
+  </p:cSld>
+  <p:clrMapOvr>
+    <a:masterClrMapping/>
+  </p:clrMapOvr>
+  <p:transition spd="slow">
+    <p:push dir="u"/>
+  </p:transition>
+  <p:timing>
+    <p:tnLst>
+      <p:par>
+        <p:cTn id="1" dur="indefinite" restart="never" nodeType="tmRoot">
+          <p:childTnLst>
+            <p:seq concurrent="1" nextAc="seek">
+              <p:cTn id="2" dur="indefinite" nodeType="mainSeq">
+                <p:childTnLst>
+                  <p:par>
+                    <p:cTn id="3" fill="hold">
+                      <p:stCondLst>
+                        <p:cond delay="indefinite"/>
+                      </p:stCondLst>
+                      <p:childTnLst>
+                        <p:par>
+                          <p:cTn id="4" fill="hold">
+                            <p:stCondLst>
+                              <p:cond delay="0"/>
+                            </p:stCondLst>
+                            <p:childTnLst>
+                              <p:par>
+                                <p:cTn id="5" presetID="2" presetClass="entr" presetSubtype="8" fill="hold" grpId="0" nodeType="clickEffect">
+                                  <p:stCondLst>
+                                    <p:cond delay="0"/>
+                                  </p:stCondLst>
+                                  <p:childTnLst>
+                                    <p:set>
+                                      <p:cBhvr>
+                                        <p:cTn id="6" dur="1" fill="hold">
+                                          <p:stCondLst>
+                                            <p:cond delay="0"/>
+                                          </p:stCondLst>
+                                        </p:cTn>
+                                        <p:tgtEl>
+                                          <p:spTgt spid="2"/>
+                                        </p:tgtEl>
+                                        <p:attrNameLst>
+                                          <p:attrName>style.visibility</p:attrName>
+                                        </p:attrNameLst>
+                                      </p:cBhvr>
+                                      <p:to>
+                                        <p:strVal val="visible"/>
+                                      </p:to>
+                                    </p:set>
+                                    <p:anim calcmode="lin" valueType="num">
+                                      <p:cBhvr additive="base">
+                                        <p:cTn id="7" dur="500" fill="hold"/>
+                                        <p:tgtEl>
+                                          <p:spTgt spid="2"/>
+                                        </p:tgtEl>
+                                        <p:attrNameLst>
+                                          <p:attrName>ppt_x</p:attrName>
+                                        </p:attrNameLst>
+                                      </p:cBhvr>
+                                      <p:tavLst>
+                                        <p:tav tm="0">
+                                          <p:val>
+                                            <p:strVal val="0-#ppt_w/2"/>
+                                          </p:val>
+                                        </p:tav>
+                                        <p:tav tm="100000">
+                                          <p:val>
+                                            <p:strVal val="#ppt_x"/>
+                                          </p:val>
+                                        </p:tav>
+                                      </p:tavLst>
+                                    </p:anim>
+                                    <p:anim calcmode="lin" valueType="num">
+                                      <p:cBhvr additive="base">
+                                        <p:cTn id="8" dur="500" fill="hold"/>
+                                        <p:tgtEl>
+                                          <p:spTgt spid="2"/>
+                                        </p:tgtEl>
+                                        <p:attrNameLst>
+                                          <p:attrName>ppt_y</p:attrName>
+                                        </p:attrNameLst>
+                                      </p:cBhvr>
+                                      <p:tavLst>
+                                        <p:tav tm="0">
+                                          <p:val>
+                                            <p:strVal val="#ppt_y"/>
+                                          </p:val>
+                                        </p:tav>
+                                        <p:tav tm="100000">
+                                          <p:val>
+                                            <p:strVal val="#ppt_y"/>
+                                          </p:val>
+                                        </p:tav>
+                                      </p:tavLst>
+                                    </p:anim>
+                                  </p:childTnLst>
+                                </p:cTn>
+                              </p:par>
+                            </p:childTnLst>
+                          </p:cTn>
+                        </p:par>
+                      </p:childTnLst>
+                    </p:cTn>
+                  </p:par>
+                  <p:par>
+                    <p:cTn id="9" fill="hold">
+                      <p:stCondLst>
+                        <p:cond delay="indefinite"/>
+                      </p:stCondLst>
+                      <p:childTnLst>
+                        <p:par>
+                          <p:cTn id="10" fill="hold">
+                            <p:stCondLst>
+                              <p:cond delay="0"/>
+                            </p:stCondLst>
+                            <p:childTnLst>
+                              <p:par>
+                                <p:cTn id="11" presetID="10" presetClass="entr" presetSubtype="0" fill="hold" nodeType="clickEffect">
+                                  <p:stCondLst>
+                                    <p:cond delay="0"/>
+                                  </p:stCondLst>
+                                  <p:childTnLst>
+                                    <p:set>
+                                      <p:cBhvr>
+                                        <p:cTn id="12" dur="1" fill="hold">
+                                          <p:stCondLst>
+                                            <p:cond delay="0"/>
+                                          </p:stCondLst>
+                                        </p:cTn>
+                                        <p:tgtEl>
+                                          <p:spTgt spid="4"/>
+                                        </p:tgtEl>
+                                        <p:attrNameLst>
+                                          <p:attrName>style.visibility</p:attrName>
+                                        </p:attrNameLst>
+                                      </p:cBhvr>
+                                      <p:to>
+                                        <p:strVal val="visible"/>
+                                      </p:to>
+                                    </p:set>
+                                    <p:animEffect transition="in" filter="fade">
+                                      <p:cBhvr>
+                                        <p:cTn id="13" dur="500"/>
+                                        <p:tgtEl>
+                                          <p:spTgt spid="4"/>
+                                        </p:tgtEl>
+                                      </p:cBhvr>
+                                    </p:animEffect>
+                                  </p:childTnLst>
+                                </p:cTn>
+                              </p:par>
+                              <p:par>
+                                <p:cTn id="14" presetID="10" presetClass="entr" presetSubtype="0" fill="hold" grpId="0" nodeType="withEffect">
+                                  <p:stCondLst>
+                                    <p:cond delay="0"/>
+                                  </p:stCondLst>
+                                  <p:childTnLst>
+                                    <p:set>
+                                      <p:cBhvr>
+                                        <p:cTn id="15" dur="1" fill="hold">
+                                          <p:stCondLst>
+                                            <p:cond delay="0"/>
+                                          </p:stCondLst>
+                                        </p:cTn>
+                                        <p:tgtEl>
+                                          <p:spTgt spid="5"/>
+                                        </p:tgtEl>
+                                        <p:attrNameLst>
+                                          <p:attrName>style.visibility</p:attrName>
+                                        </p:attrNameLst>
+                                      </p:cBhvr>
+                                      <p:to>
+                                        <p:strVal val="visible"/>
+                                      </p:to>
+                                    </p:set>
+                                    <p:animEffect transition="in" filter="fade">
+                                      <p:cBhvr>
+                                        <p:cTn id="16" dur="500"/>
+                                        <p:tgtEl>
+                                          <p:spTgt spid="5"/>
+                                        </p:tgtEl>
+                                      </p:cBhvr>
+                                    </p:animEffect>
+                                  </p:childTnLst>
+                                </p:cTn>
+                              </p:par>
+                            </p:childTnLst>
+                          </p:cTn>
+                        </p:par>
+                      </p:childTnLst>
+                    </p:cTn>
+                  </p:par>
+                </p:childTnLst>
+              </p:cTn>
+              <p:prevCondLst>
+                <p:cond evt="onPrev" delay="0">
+                  <p:tgtEl>
+                    <p:sldTgt/>
+                  </p:tgtEl>
+                </p:cond>
+              </p:prevCondLst>
+              <p:nextCondLst>
+                <p:cond evt="onNext" delay="0">
+                  <p:tgtEl>
+                    <p:sldTgt/>
+                  </p:tgtEl>
+                </p:cond>
+              </p:nextCondLst>
+            </p:seq>
+          </p:childTnLst>
+        </p:cTn>
+      </p:par>
+    </p:tnLst>
+    <p:bldLst>
+      <p:bldP spid="2" grpId="0"/>
+      <p:bldP spid="5" grpId="0"/>
+    </p:bldLst>
+  </p:timing>
+</p:sld>
+</file>
+
+<file path=ppt/slides/slide3.xml><?xml version="1.0" encoding="utf-8"?>
 <p:sld xmlns:a="http://schemas.openxmlformats.org/drawingml/2006/main" xmlns:r="http://schemas.openxmlformats.org/officeDocument/2006/relationships" xmlns:p="http://schemas.openxmlformats.org/presentationml/2006/main">
   <p:cSld>
     <p:bg>
@@ -5749,7 +6740,7 @@
             <p:ph idx="1"/>
             <p:extLst>
               <p:ext uri="{D42A27DB-BD31-4B8C-83A1-F6EECF244321}">
-                <p14:modId xmlns:p14="http://schemas.microsoft.com/office/powerpoint/2010/main" val="3059278917"/>
+                <p14:modId xmlns:p14="http://schemas.microsoft.com/office/powerpoint/2010/main" val="2042480450"/>
               </p:ext>
             </p:extLst>
           </p:nvPr>
@@ -5774,17 +6765,411 @@
   <p:clrMapOvr>
     <a:masterClrMapping/>
   </p:clrMapOvr>
+  <p:transition spd="slow">
+    <p:push dir="u"/>
+  </p:transition>
   <p:timing>
     <p:tnLst>
       <p:par>
-        <p:cTn id="1" dur="indefinite" restart="never" nodeType="tmRoot"/>
+        <p:cTn id="1" dur="indefinite" restart="never" nodeType="tmRoot">
+          <p:childTnLst>
+            <p:seq concurrent="1" nextAc="seek">
+              <p:cTn id="2" dur="indefinite" nodeType="mainSeq">
+                <p:childTnLst>
+                  <p:par>
+                    <p:cTn id="3" fill="hold">
+                      <p:stCondLst>
+                        <p:cond delay="indefinite"/>
+                      </p:stCondLst>
+                      <p:childTnLst>
+                        <p:par>
+                          <p:cTn id="4" fill="hold">
+                            <p:stCondLst>
+                              <p:cond delay="0"/>
+                            </p:stCondLst>
+                            <p:childTnLst>
+                              <p:par>
+                                <p:cTn id="5" presetID="2" presetClass="entr" presetSubtype="1" fill="hold" grpId="0" nodeType="clickEffect">
+                                  <p:stCondLst>
+                                    <p:cond delay="0"/>
+                                  </p:stCondLst>
+                                  <p:childTnLst>
+                                    <p:set>
+                                      <p:cBhvr>
+                                        <p:cTn id="6" dur="1" fill="hold">
+                                          <p:stCondLst>
+                                            <p:cond delay="0"/>
+                                          </p:stCondLst>
+                                        </p:cTn>
+                                        <p:tgtEl>
+                                          <p:spTgt spid="2"/>
+                                        </p:tgtEl>
+                                        <p:attrNameLst>
+                                          <p:attrName>style.visibility</p:attrName>
+                                        </p:attrNameLst>
+                                      </p:cBhvr>
+                                      <p:to>
+                                        <p:strVal val="visible"/>
+                                      </p:to>
+                                    </p:set>
+                                    <p:anim calcmode="lin" valueType="num">
+                                      <p:cBhvr additive="base">
+                                        <p:cTn id="7" dur="250" fill="hold"/>
+                                        <p:tgtEl>
+                                          <p:spTgt spid="2"/>
+                                        </p:tgtEl>
+                                        <p:attrNameLst>
+                                          <p:attrName>ppt_x</p:attrName>
+                                        </p:attrNameLst>
+                                      </p:cBhvr>
+                                      <p:tavLst>
+                                        <p:tav tm="0">
+                                          <p:val>
+                                            <p:strVal val="#ppt_x"/>
+                                          </p:val>
+                                        </p:tav>
+                                        <p:tav tm="100000">
+                                          <p:val>
+                                            <p:strVal val="#ppt_x"/>
+                                          </p:val>
+                                        </p:tav>
+                                      </p:tavLst>
+                                    </p:anim>
+                                    <p:anim calcmode="lin" valueType="num">
+                                      <p:cBhvr additive="base">
+                                        <p:cTn id="8" dur="250" fill="hold"/>
+                                        <p:tgtEl>
+                                          <p:spTgt spid="2"/>
+                                        </p:tgtEl>
+                                        <p:attrNameLst>
+                                          <p:attrName>ppt_y</p:attrName>
+                                        </p:attrNameLst>
+                                      </p:cBhvr>
+                                      <p:tavLst>
+                                        <p:tav tm="0">
+                                          <p:val>
+                                            <p:strVal val="0-#ppt_h/2"/>
+                                          </p:val>
+                                        </p:tav>
+                                        <p:tav tm="100000">
+                                          <p:val>
+                                            <p:strVal val="#ppt_y"/>
+                                          </p:val>
+                                        </p:tav>
+                                      </p:tavLst>
+                                    </p:anim>
+                                  </p:childTnLst>
+                                </p:cTn>
+                              </p:par>
+                            </p:childTnLst>
+                          </p:cTn>
+                        </p:par>
+                      </p:childTnLst>
+                    </p:cTn>
+                  </p:par>
+                  <p:par>
+                    <p:cTn id="9" fill="hold">
+                      <p:stCondLst>
+                        <p:cond delay="indefinite"/>
+                      </p:stCondLst>
+                      <p:childTnLst>
+                        <p:par>
+                          <p:cTn id="10" fill="hold">
+                            <p:stCondLst>
+                              <p:cond delay="0"/>
+                            </p:stCondLst>
+                            <p:childTnLst>
+                              <p:par>
+                                <p:cTn id="11" presetID="10" presetClass="entr" presetSubtype="0" fill="hold" grpId="0" nodeType="clickEffect">
+                                  <p:stCondLst>
+                                    <p:cond delay="0"/>
+                                  </p:stCondLst>
+                                  <p:childTnLst>
+                                    <p:set>
+                                      <p:cBhvr>
+                                        <p:cTn id="12" dur="1" fill="hold">
+                                          <p:stCondLst>
+                                            <p:cond delay="0"/>
+                                          </p:stCondLst>
+                                        </p:cTn>
+                                        <p:tgtEl>
+                                          <p:spTgt spid="6">
+                                            <p:graphicEl>
+                                              <a:dgm id="{418833E8-282C-4195-B6E1-D38DCA42275A}"/>
+                                            </p:graphicEl>
+                                          </p:spTgt>
+                                        </p:tgtEl>
+                                        <p:attrNameLst>
+                                          <p:attrName>style.visibility</p:attrName>
+                                        </p:attrNameLst>
+                                      </p:cBhvr>
+                                      <p:to>
+                                        <p:strVal val="visible"/>
+                                      </p:to>
+                                    </p:set>
+                                    <p:animEffect transition="in" filter="fade">
+                                      <p:cBhvr>
+                                        <p:cTn id="13" dur="500"/>
+                                        <p:tgtEl>
+                                          <p:spTgt spid="6">
+                                            <p:graphicEl>
+                                              <a:dgm id="{418833E8-282C-4195-B6E1-D38DCA42275A}"/>
+                                            </p:graphicEl>
+                                          </p:spTgt>
+                                        </p:tgtEl>
+                                      </p:cBhvr>
+                                    </p:animEffect>
+                                  </p:childTnLst>
+                                </p:cTn>
+                              </p:par>
+                            </p:childTnLst>
+                          </p:cTn>
+                        </p:par>
+                      </p:childTnLst>
+                    </p:cTn>
+                  </p:par>
+                  <p:par>
+                    <p:cTn id="14" fill="hold">
+                      <p:stCondLst>
+                        <p:cond delay="indefinite"/>
+                      </p:stCondLst>
+                      <p:childTnLst>
+                        <p:par>
+                          <p:cTn id="15" fill="hold">
+                            <p:stCondLst>
+                              <p:cond delay="0"/>
+                            </p:stCondLst>
+                            <p:childTnLst>
+                              <p:par>
+                                <p:cTn id="16" presetID="10" presetClass="entr" presetSubtype="0" fill="hold" grpId="0" nodeType="clickEffect">
+                                  <p:stCondLst>
+                                    <p:cond delay="0"/>
+                                  </p:stCondLst>
+                                  <p:childTnLst>
+                                    <p:set>
+                                      <p:cBhvr>
+                                        <p:cTn id="17" dur="1" fill="hold">
+                                          <p:stCondLst>
+                                            <p:cond delay="0"/>
+                                          </p:stCondLst>
+                                        </p:cTn>
+                                        <p:tgtEl>
+                                          <p:spTgt spid="6">
+                                            <p:graphicEl>
+                                              <a:dgm id="{F300BB8C-B2DB-4D21-BE00-15A7A81D2236}"/>
+                                            </p:graphicEl>
+                                          </p:spTgt>
+                                        </p:tgtEl>
+                                        <p:attrNameLst>
+                                          <p:attrName>style.visibility</p:attrName>
+                                        </p:attrNameLst>
+                                      </p:cBhvr>
+                                      <p:to>
+                                        <p:strVal val="visible"/>
+                                      </p:to>
+                                    </p:set>
+                                    <p:animEffect transition="in" filter="fade">
+                                      <p:cBhvr>
+                                        <p:cTn id="18" dur="500"/>
+                                        <p:tgtEl>
+                                          <p:spTgt spid="6">
+                                            <p:graphicEl>
+                                              <a:dgm id="{F300BB8C-B2DB-4D21-BE00-15A7A81D2236}"/>
+                                            </p:graphicEl>
+                                          </p:spTgt>
+                                        </p:tgtEl>
+                                      </p:cBhvr>
+                                    </p:animEffect>
+                                  </p:childTnLst>
+                                </p:cTn>
+                              </p:par>
+                            </p:childTnLst>
+                          </p:cTn>
+                        </p:par>
+                      </p:childTnLst>
+                    </p:cTn>
+                  </p:par>
+                  <p:par>
+                    <p:cTn id="19" fill="hold">
+                      <p:stCondLst>
+                        <p:cond delay="indefinite"/>
+                      </p:stCondLst>
+                      <p:childTnLst>
+                        <p:par>
+                          <p:cTn id="20" fill="hold">
+                            <p:stCondLst>
+                              <p:cond delay="0"/>
+                            </p:stCondLst>
+                            <p:childTnLst>
+                              <p:par>
+                                <p:cTn id="21" presetID="10" presetClass="entr" presetSubtype="0" fill="hold" grpId="0" nodeType="clickEffect">
+                                  <p:stCondLst>
+                                    <p:cond delay="0"/>
+                                  </p:stCondLst>
+                                  <p:childTnLst>
+                                    <p:set>
+                                      <p:cBhvr>
+                                        <p:cTn id="22" dur="1" fill="hold">
+                                          <p:stCondLst>
+                                            <p:cond delay="0"/>
+                                          </p:stCondLst>
+                                        </p:cTn>
+                                        <p:tgtEl>
+                                          <p:spTgt spid="6">
+                                            <p:graphicEl>
+                                              <a:dgm id="{DCFC6B76-B592-456B-8ABA-CC01314BCC41}"/>
+                                            </p:graphicEl>
+                                          </p:spTgt>
+                                        </p:tgtEl>
+                                        <p:attrNameLst>
+                                          <p:attrName>style.visibility</p:attrName>
+                                        </p:attrNameLst>
+                                      </p:cBhvr>
+                                      <p:to>
+                                        <p:strVal val="visible"/>
+                                      </p:to>
+                                    </p:set>
+                                    <p:animEffect transition="in" filter="fade">
+                                      <p:cBhvr>
+                                        <p:cTn id="23" dur="500"/>
+                                        <p:tgtEl>
+                                          <p:spTgt spid="6">
+                                            <p:graphicEl>
+                                              <a:dgm id="{DCFC6B76-B592-456B-8ABA-CC01314BCC41}"/>
+                                            </p:graphicEl>
+                                          </p:spTgt>
+                                        </p:tgtEl>
+                                      </p:cBhvr>
+                                    </p:animEffect>
+                                  </p:childTnLst>
+                                </p:cTn>
+                              </p:par>
+                              <p:par>
+                                <p:cTn id="24" presetID="10" presetClass="entr" presetSubtype="0" fill="hold" grpId="0" nodeType="withEffect">
+                                  <p:stCondLst>
+                                    <p:cond delay="0"/>
+                                  </p:stCondLst>
+                                  <p:childTnLst>
+                                    <p:set>
+                                      <p:cBhvr>
+                                        <p:cTn id="25" dur="1" fill="hold">
+                                          <p:stCondLst>
+                                            <p:cond delay="0"/>
+                                          </p:stCondLst>
+                                        </p:cTn>
+                                        <p:tgtEl>
+                                          <p:spTgt spid="6">
+                                            <p:graphicEl>
+                                              <a:dgm id="{5ED84024-48BE-449E-9588-91C8C41A0C0B}"/>
+                                            </p:graphicEl>
+                                          </p:spTgt>
+                                        </p:tgtEl>
+                                        <p:attrNameLst>
+                                          <p:attrName>style.visibility</p:attrName>
+                                        </p:attrNameLst>
+                                      </p:cBhvr>
+                                      <p:to>
+                                        <p:strVal val="visible"/>
+                                      </p:to>
+                                    </p:set>
+                                    <p:animEffect transition="in" filter="fade">
+                                      <p:cBhvr>
+                                        <p:cTn id="26" dur="500"/>
+                                        <p:tgtEl>
+                                          <p:spTgt spid="6">
+                                            <p:graphicEl>
+                                              <a:dgm id="{5ED84024-48BE-449E-9588-91C8C41A0C0B}"/>
+                                            </p:graphicEl>
+                                          </p:spTgt>
+                                        </p:tgtEl>
+                                      </p:cBhvr>
+                                    </p:animEffect>
+                                  </p:childTnLst>
+                                </p:cTn>
+                              </p:par>
+                              <p:par>
+                                <p:cTn id="27" presetID="10" presetClass="entr" presetSubtype="0" fill="hold" grpId="0" nodeType="withEffect">
+                                  <p:stCondLst>
+                                    <p:cond delay="0"/>
+                                  </p:stCondLst>
+                                  <p:childTnLst>
+                                    <p:set>
+                                      <p:cBhvr>
+                                        <p:cTn id="28" dur="1" fill="hold">
+                                          <p:stCondLst>
+                                            <p:cond delay="0"/>
+                                          </p:stCondLst>
+                                        </p:cTn>
+                                        <p:tgtEl>
+                                          <p:spTgt spid="6">
+                                            <p:graphicEl>
+                                              <a:dgm id="{A0F397BE-73CF-4253-AB83-0E27474349A9}"/>
+                                            </p:graphicEl>
+                                          </p:spTgt>
+                                        </p:tgtEl>
+                                        <p:attrNameLst>
+                                          <p:attrName>style.visibility</p:attrName>
+                                        </p:attrNameLst>
+                                      </p:cBhvr>
+                                      <p:to>
+                                        <p:strVal val="visible"/>
+                                      </p:to>
+                                    </p:set>
+                                    <p:animEffect transition="in" filter="fade">
+                                      <p:cBhvr>
+                                        <p:cTn id="29" dur="500"/>
+                                        <p:tgtEl>
+                                          <p:spTgt spid="6">
+                                            <p:graphicEl>
+                                              <a:dgm id="{A0F397BE-73CF-4253-AB83-0E27474349A9}"/>
+                                            </p:graphicEl>
+                                          </p:spTgt>
+                                        </p:tgtEl>
+                                      </p:cBhvr>
+                                    </p:animEffect>
+                                  </p:childTnLst>
+                                </p:cTn>
+                              </p:par>
+                            </p:childTnLst>
+                          </p:cTn>
+                        </p:par>
+                      </p:childTnLst>
+                    </p:cTn>
+                  </p:par>
+                </p:childTnLst>
+              </p:cTn>
+              <p:prevCondLst>
+                <p:cond evt="onPrev" delay="0">
+                  <p:tgtEl>
+                    <p:sldTgt/>
+                  </p:tgtEl>
+                </p:cond>
+              </p:prevCondLst>
+              <p:nextCondLst>
+                <p:cond evt="onNext" delay="0">
+                  <p:tgtEl>
+                    <p:sldTgt/>
+                  </p:tgtEl>
+                </p:cond>
+              </p:nextCondLst>
+            </p:seq>
+          </p:childTnLst>
+        </p:cTn>
       </p:par>
     </p:tnLst>
+    <p:bldLst>
+      <p:bldP spid="2" grpId="0"/>
+      <p:bldGraphic spid="6" grpId="0" uiExpand="1">
+        <p:bldSub>
+          <a:bldDgm bld="one" rev="1"/>
+        </p:bldSub>
+      </p:bldGraphic>
+    </p:bldLst>
   </p:timing>
 </p:sld>
 </file>
 
-<file path=ppt/slides/slide3.xml><?xml version="1.0" encoding="utf-8"?>
+<file path=ppt/slides/slide4.xml><?xml version="1.0" encoding="utf-8"?>
 <p:sld xmlns:a="http://schemas.openxmlformats.org/drawingml/2006/main" xmlns:r="http://schemas.openxmlformats.org/officeDocument/2006/relationships" xmlns:p="http://schemas.openxmlformats.org/presentationml/2006/main">
   <p:cSld>
     <p:spTree>
@@ -5851,7 +7236,7 @@
         </p:blipFill>
         <p:spPr>
           <a:xfrm>
-            <a:off x="4331208" y="2429256"/>
+            <a:off x="4764662" y="2586257"/>
             <a:ext cx="1996440" cy="1996440"/>
           </a:xfrm>
           <a:prstGeom prst="rect">
@@ -5867,7 +7252,7 @@
         </p:nvGrpSpPr>
         <p:grpSpPr>
           <a:xfrm>
-            <a:off x="1207008" y="1690688"/>
+            <a:off x="9367707" y="2369184"/>
             <a:ext cx="2459736" cy="1445704"/>
             <a:chOff x="1207008" y="1690688"/>
             <a:chExt cx="2459736" cy="1445704"/>
@@ -5929,8 +7314,8 @@
           </p:nvSpPr>
           <p:spPr>
             <a:xfrm>
-              <a:off x="1444752" y="1905708"/>
-              <a:ext cx="1984248" cy="1015663"/>
+              <a:off x="1970532" y="2182707"/>
+              <a:ext cx="932688" cy="461665"/>
             </a:xfrm>
             <a:prstGeom prst="rect">
               <a:avLst/>
@@ -5944,7 +7329,7 @@
             <a:lstStyle/>
             <a:p>
               <a:r>
-                <a:rPr lang="en-US" sz="6000" dirty="0" smtClean="0">
+                <a:rPr lang="en-US" sz="2400" dirty="0" smtClean="0">
                   <a:solidFill>
                     <a:schemeClr val="bg1"/>
                   </a:solidFill>
@@ -5952,7 +7337,7 @@
                 </a:rPr>
                 <a:t>NGO</a:t>
               </a:r>
-              <a:endParaRPr lang="en-US" dirty="0">
+              <a:endParaRPr lang="en-US" sz="1400" dirty="0">
                 <a:solidFill>
                   <a:schemeClr val="bg1"/>
                 </a:solidFill>
@@ -5962,6 +7347,625 @@
           </p:txBody>
         </p:sp>
       </p:grpSp>
+      <p:grpSp>
+        <p:nvGrpSpPr>
+          <p:cNvPr id="8" name="Group 7"/>
+          <p:cNvGrpSpPr/>
+          <p:nvPr/>
+        </p:nvGrpSpPr>
+        <p:grpSpPr>
+          <a:xfrm>
+            <a:off x="838200" y="1804136"/>
+            <a:ext cx="2459736" cy="1445704"/>
+            <a:chOff x="1207008" y="1690688"/>
+            <a:chExt cx="2459736" cy="1445704"/>
+          </a:xfrm>
+        </p:grpSpPr>
+        <p:sp>
+          <p:nvSpPr>
+            <p:cNvPr id="9" name="Rounded Rectangle 8"/>
+            <p:cNvSpPr/>
+            <p:nvPr/>
+          </p:nvSpPr>
+          <p:spPr>
+            <a:xfrm>
+              <a:off x="1207008" y="1690688"/>
+              <a:ext cx="2459736" cy="1445704"/>
+            </a:xfrm>
+            <a:prstGeom prst="roundRect">
+              <a:avLst/>
+            </a:prstGeom>
+            <a:solidFill>
+              <a:srgbClr val="9CDE9F"/>
+            </a:solidFill>
+            <a:ln>
+              <a:solidFill>
+                <a:srgbClr val="9CDE9F"/>
+              </a:solidFill>
+            </a:ln>
+          </p:spPr>
+          <p:style>
+            <a:lnRef idx="2">
+              <a:schemeClr val="accent1">
+                <a:shade val="50000"/>
+              </a:schemeClr>
+            </a:lnRef>
+            <a:fillRef idx="1">
+              <a:schemeClr val="accent1"/>
+            </a:fillRef>
+            <a:effectRef idx="0">
+              <a:schemeClr val="accent1"/>
+            </a:effectRef>
+            <a:fontRef idx="minor">
+              <a:schemeClr val="lt1"/>
+            </a:fontRef>
+          </p:style>
+          <p:txBody>
+            <a:bodyPr rtlCol="0" anchor="ctr"/>
+            <a:lstStyle/>
+            <a:p>
+              <a:pPr algn="ctr"/>
+              <a:endParaRPr lang="en-US"/>
+            </a:p>
+          </p:txBody>
+        </p:sp>
+        <p:sp>
+          <p:nvSpPr>
+            <p:cNvPr id="10" name="TextBox 9"/>
+            <p:cNvSpPr txBox="1"/>
+            <p:nvPr/>
+          </p:nvSpPr>
+          <p:spPr>
+            <a:xfrm>
+              <a:off x="1207008" y="1998040"/>
+              <a:ext cx="2459736" cy="830997"/>
+            </a:xfrm>
+            <a:prstGeom prst="rect">
+              <a:avLst/>
+            </a:prstGeom>
+            <a:noFill/>
+          </p:spPr>
+          <p:txBody>
+            <a:bodyPr wrap="square" rtlCol="0">
+              <a:spAutoFit/>
+            </a:bodyPr>
+            <a:lstStyle/>
+            <a:p>
+              <a:pPr algn="ctr"/>
+              <a:r>
+                <a:rPr lang="en-US" sz="2400" dirty="0" smtClean="0">
+                  <a:solidFill>
+                    <a:schemeClr val="bg1"/>
+                  </a:solidFill>
+                  <a:latin typeface="Montserrat Black" panose="00000A00000000000000" pitchFamily="2" charset="0"/>
+                </a:rPr>
+                <a:t>ONLINE MERCHANTS</a:t>
+              </a:r>
+              <a:endParaRPr lang="en-US" sz="800" dirty="0">
+                <a:solidFill>
+                  <a:schemeClr val="bg1"/>
+                </a:solidFill>
+                <a:latin typeface="Montserrat Black" panose="00000A00000000000000" pitchFamily="2" charset="0"/>
+              </a:endParaRPr>
+            </a:p>
+          </p:txBody>
+        </p:sp>
+      </p:grpSp>
+      <p:grpSp>
+        <p:nvGrpSpPr>
+          <p:cNvPr id="11" name="Group 10"/>
+          <p:cNvGrpSpPr/>
+          <p:nvPr/>
+        </p:nvGrpSpPr>
+        <p:grpSpPr>
+          <a:xfrm>
+            <a:off x="379222" y="4832977"/>
+            <a:ext cx="2569464" cy="1445704"/>
+            <a:chOff x="1207008" y="1690688"/>
+            <a:chExt cx="2569464" cy="1445704"/>
+          </a:xfrm>
+        </p:grpSpPr>
+        <p:sp>
+          <p:nvSpPr>
+            <p:cNvPr id="12" name="Rounded Rectangle 11"/>
+            <p:cNvSpPr/>
+            <p:nvPr/>
+          </p:nvSpPr>
+          <p:spPr>
+            <a:xfrm>
+              <a:off x="1207008" y="1690688"/>
+              <a:ext cx="2459736" cy="1445704"/>
+            </a:xfrm>
+            <a:prstGeom prst="roundRect">
+              <a:avLst/>
+            </a:prstGeom>
+            <a:solidFill>
+              <a:srgbClr val="9CDE9F"/>
+            </a:solidFill>
+            <a:ln>
+              <a:solidFill>
+                <a:srgbClr val="9CDE9F"/>
+              </a:solidFill>
+            </a:ln>
+          </p:spPr>
+          <p:style>
+            <a:lnRef idx="2">
+              <a:schemeClr val="accent1">
+                <a:shade val="50000"/>
+              </a:schemeClr>
+            </a:lnRef>
+            <a:fillRef idx="1">
+              <a:schemeClr val="accent1"/>
+            </a:fillRef>
+            <a:effectRef idx="0">
+              <a:schemeClr val="accent1"/>
+            </a:effectRef>
+            <a:fontRef idx="minor">
+              <a:schemeClr val="lt1"/>
+            </a:fontRef>
+          </p:style>
+          <p:txBody>
+            <a:bodyPr rtlCol="0" anchor="ctr"/>
+            <a:lstStyle/>
+            <a:p>
+              <a:pPr algn="ctr"/>
+              <a:endParaRPr lang="en-US"/>
+            </a:p>
+          </p:txBody>
+        </p:sp>
+        <p:sp>
+          <p:nvSpPr>
+            <p:cNvPr id="13" name="TextBox 12"/>
+            <p:cNvSpPr txBox="1"/>
+            <p:nvPr/>
+          </p:nvSpPr>
+          <p:spPr>
+            <a:xfrm>
+              <a:off x="1316736" y="2182707"/>
+              <a:ext cx="2459736" cy="461665"/>
+            </a:xfrm>
+            <a:prstGeom prst="rect">
+              <a:avLst/>
+            </a:prstGeom>
+            <a:noFill/>
+          </p:spPr>
+          <p:txBody>
+            <a:bodyPr wrap="square" rtlCol="0">
+              <a:spAutoFit/>
+            </a:bodyPr>
+            <a:lstStyle/>
+            <a:p>
+              <a:r>
+                <a:rPr lang="en-US" sz="2400" dirty="0" smtClean="0">
+                  <a:solidFill>
+                    <a:schemeClr val="bg1"/>
+                  </a:solidFill>
+                  <a:latin typeface="Montserrat Black" panose="00000A00000000000000" pitchFamily="2" charset="0"/>
+                </a:rPr>
+                <a:t>CUSTOMERS</a:t>
+              </a:r>
+              <a:endParaRPr lang="en-US" sz="800" dirty="0">
+                <a:solidFill>
+                  <a:schemeClr val="bg1"/>
+                </a:solidFill>
+                <a:latin typeface="Montserrat Black" panose="00000A00000000000000" pitchFamily="2" charset="0"/>
+              </a:endParaRPr>
+            </a:p>
+          </p:txBody>
+        </p:sp>
+      </p:grpSp>
+      <p:sp>
+        <p:nvSpPr>
+          <p:cNvPr id="14" name="Left Arrow 13"/>
+          <p:cNvSpPr/>
+          <p:nvPr/>
+        </p:nvSpPr>
+        <p:spPr>
+          <a:xfrm rot="1602853">
+            <a:off x="2961132" y="3097860"/>
+            <a:ext cx="1911096" cy="698606"/>
+          </a:xfrm>
+          <a:prstGeom prst="leftArrow">
+            <a:avLst/>
+          </a:prstGeom>
+          <a:solidFill>
+            <a:srgbClr val="E9D758"/>
+          </a:solidFill>
+          <a:ln>
+            <a:solidFill>
+              <a:srgbClr val="E9D758"/>
+            </a:solidFill>
+          </a:ln>
+        </p:spPr>
+        <p:style>
+          <a:lnRef idx="2">
+            <a:schemeClr val="accent1">
+              <a:shade val="50000"/>
+            </a:schemeClr>
+          </a:lnRef>
+          <a:fillRef idx="1">
+            <a:schemeClr val="accent1"/>
+          </a:fillRef>
+          <a:effectRef idx="0">
+            <a:schemeClr val="accent1"/>
+          </a:effectRef>
+          <a:fontRef idx="minor">
+            <a:schemeClr val="lt1"/>
+          </a:fontRef>
+        </p:style>
+        <p:txBody>
+          <a:bodyPr rtlCol="0" anchor="ctr"/>
+          <a:lstStyle/>
+          <a:p>
+            <a:pPr algn="ctr"/>
+            <a:r>
+              <a:rPr lang="en-US" sz="1600" dirty="0" smtClean="0">
+                <a:latin typeface="Montserrat" panose="00000500000000000000" pitchFamily="2" charset="0"/>
+              </a:rPr>
+              <a:t>Use our APIs</a:t>
+            </a:r>
+            <a:endParaRPr lang="en-US" sz="1600" dirty="0">
+              <a:latin typeface="Montserrat" panose="00000500000000000000" pitchFamily="2" charset="0"/>
+            </a:endParaRPr>
+          </a:p>
+        </p:txBody>
+      </p:sp>
+      <p:sp>
+        <p:nvSpPr>
+          <p:cNvPr id="19" name="Left Arrow 18"/>
+          <p:cNvSpPr/>
+          <p:nvPr/>
+        </p:nvSpPr>
+        <p:spPr>
+          <a:xfrm rot="20943790">
+            <a:off x="6003798" y="2959443"/>
+            <a:ext cx="3867912" cy="617229"/>
+          </a:xfrm>
+          <a:prstGeom prst="leftArrow">
+            <a:avLst/>
+          </a:prstGeom>
+          <a:solidFill>
+            <a:srgbClr val="E9D758"/>
+          </a:solidFill>
+          <a:ln>
+            <a:solidFill>
+              <a:srgbClr val="E9D758"/>
+            </a:solidFill>
+          </a:ln>
+        </p:spPr>
+        <p:style>
+          <a:lnRef idx="2">
+            <a:schemeClr val="accent1">
+              <a:shade val="50000"/>
+            </a:schemeClr>
+          </a:lnRef>
+          <a:fillRef idx="1">
+            <a:schemeClr val="accent1"/>
+          </a:fillRef>
+          <a:effectRef idx="0">
+            <a:schemeClr val="accent1"/>
+          </a:effectRef>
+          <a:fontRef idx="minor">
+            <a:schemeClr val="lt1"/>
+          </a:fontRef>
+        </p:style>
+        <p:txBody>
+          <a:bodyPr rtlCol="0" anchor="ctr"/>
+          <a:lstStyle/>
+          <a:p>
+            <a:pPr algn="ctr"/>
+            <a:r>
+              <a:rPr lang="en-US" sz="1600" dirty="0" smtClean="0">
+                <a:latin typeface="Montserrat" panose="00000500000000000000" pitchFamily="2" charset="0"/>
+              </a:rPr>
+              <a:t>Submit </a:t>
+            </a:r>
+            <a:r>
+              <a:rPr lang="en-US" sz="1600" dirty="0" smtClean="0">
+                <a:latin typeface="Montserrat" panose="00000500000000000000" pitchFamily="2" charset="0"/>
+              </a:rPr>
+              <a:t>campaigns </a:t>
+            </a:r>
+            <a:r>
+              <a:rPr lang="en-US" sz="1600" dirty="0" smtClean="0">
+                <a:latin typeface="Montserrat" panose="00000500000000000000" pitchFamily="2" charset="0"/>
+              </a:rPr>
+              <a:t>on our Network</a:t>
+            </a:r>
+            <a:endParaRPr lang="en-US" sz="1600" dirty="0">
+              <a:latin typeface="Montserrat" panose="00000500000000000000" pitchFamily="2" charset="0"/>
+            </a:endParaRPr>
+          </a:p>
+        </p:txBody>
+      </p:sp>
+      <p:sp>
+        <p:nvSpPr>
+          <p:cNvPr id="3" name="Right Arrow 2"/>
+          <p:cNvSpPr/>
+          <p:nvPr/>
+        </p:nvSpPr>
+        <p:spPr>
+          <a:xfrm rot="20984547">
+            <a:off x="6216859" y="3624654"/>
+            <a:ext cx="3865276" cy="579363"/>
+          </a:xfrm>
+          <a:prstGeom prst="rightArrow">
+            <a:avLst/>
+          </a:prstGeom>
+          <a:solidFill>
+            <a:srgbClr val="E9D758"/>
+          </a:solidFill>
+          <a:ln>
+            <a:solidFill>
+              <a:srgbClr val="E9D758"/>
+            </a:solidFill>
+          </a:ln>
+        </p:spPr>
+        <p:style>
+          <a:lnRef idx="2">
+            <a:schemeClr val="accent1">
+              <a:shade val="50000"/>
+            </a:schemeClr>
+          </a:lnRef>
+          <a:fillRef idx="1">
+            <a:schemeClr val="accent1"/>
+          </a:fillRef>
+          <a:effectRef idx="0">
+            <a:schemeClr val="accent1"/>
+          </a:effectRef>
+          <a:fontRef idx="minor">
+            <a:schemeClr val="lt1"/>
+          </a:fontRef>
+        </p:style>
+        <p:txBody>
+          <a:bodyPr rtlCol="0" anchor="ctr"/>
+          <a:lstStyle/>
+          <a:p>
+            <a:pPr algn="ctr"/>
+            <a:r>
+              <a:rPr lang="en-US" sz="1600" dirty="0" smtClean="0">
+                <a:latin typeface="Montserrat" panose="00000500000000000000" pitchFamily="2" charset="0"/>
+                <a:cs typeface="Mongolian Baiti" panose="03000500000000000000" pitchFamily="66" charset="0"/>
+              </a:rPr>
+              <a:t>Release Payment</a:t>
+            </a:r>
+            <a:endParaRPr lang="en-US" sz="1600" dirty="0">
+              <a:latin typeface="Montserrat" panose="00000500000000000000" pitchFamily="2" charset="0"/>
+              <a:cs typeface="Mongolian Baiti" panose="03000500000000000000" pitchFamily="66" charset="0"/>
+            </a:endParaRPr>
+          </a:p>
+        </p:txBody>
+      </p:sp>
+      <p:sp>
+        <p:nvSpPr>
+          <p:cNvPr id="21" name="Right Arrow 20"/>
+          <p:cNvSpPr/>
+          <p:nvPr/>
+        </p:nvSpPr>
+        <p:spPr>
+          <a:xfrm rot="1697543">
+            <a:off x="2841265" y="2123630"/>
+            <a:ext cx="2391700" cy="950842"/>
+          </a:xfrm>
+          <a:prstGeom prst="rightArrow">
+            <a:avLst/>
+          </a:prstGeom>
+          <a:solidFill>
+            <a:srgbClr val="E9D758"/>
+          </a:solidFill>
+          <a:ln>
+            <a:solidFill>
+              <a:srgbClr val="E9D758"/>
+            </a:solidFill>
+          </a:ln>
+        </p:spPr>
+        <p:style>
+          <a:lnRef idx="2">
+            <a:schemeClr val="accent1">
+              <a:shade val="50000"/>
+            </a:schemeClr>
+          </a:lnRef>
+          <a:fillRef idx="1">
+            <a:schemeClr val="accent1"/>
+          </a:fillRef>
+          <a:effectRef idx="0">
+            <a:schemeClr val="accent1"/>
+          </a:effectRef>
+          <a:fontRef idx="minor">
+            <a:schemeClr val="lt1"/>
+          </a:fontRef>
+        </p:style>
+        <p:txBody>
+          <a:bodyPr rtlCol="0" anchor="ctr"/>
+          <a:lstStyle/>
+          <a:p>
+            <a:pPr algn="ctr"/>
+            <a:r>
+              <a:rPr lang="en-US" sz="1600" dirty="0" smtClean="0">
+                <a:latin typeface="Montserrat" panose="00000500000000000000" pitchFamily="2" charset="0"/>
+                <a:cs typeface="Mongolian Baiti" panose="03000500000000000000" pitchFamily="66" charset="0"/>
+              </a:rPr>
+              <a:t>Matches micro-donations</a:t>
+            </a:r>
+            <a:endParaRPr lang="en-US" sz="1600" dirty="0">
+              <a:latin typeface="Montserrat" panose="00000500000000000000" pitchFamily="2" charset="0"/>
+              <a:cs typeface="Mongolian Baiti" panose="03000500000000000000" pitchFamily="66" charset="0"/>
+            </a:endParaRPr>
+          </a:p>
+        </p:txBody>
+      </p:sp>
+      <p:sp>
+        <p:nvSpPr>
+          <p:cNvPr id="22" name="Right Arrow 21"/>
+          <p:cNvSpPr/>
+          <p:nvPr/>
+        </p:nvSpPr>
+        <p:spPr>
+          <a:xfrm rot="20011797">
+            <a:off x="2559428" y="4128262"/>
+            <a:ext cx="2283670" cy="1499783"/>
+          </a:xfrm>
+          <a:prstGeom prst="rightArrow">
+            <a:avLst/>
+          </a:prstGeom>
+          <a:solidFill>
+            <a:srgbClr val="E9D758"/>
+          </a:solidFill>
+          <a:ln>
+            <a:solidFill>
+              <a:srgbClr val="E9D758"/>
+            </a:solidFill>
+          </a:ln>
+        </p:spPr>
+        <p:style>
+          <a:lnRef idx="2">
+            <a:schemeClr val="accent1">
+              <a:shade val="50000"/>
+            </a:schemeClr>
+          </a:lnRef>
+          <a:fillRef idx="1">
+            <a:schemeClr val="accent1"/>
+          </a:fillRef>
+          <a:effectRef idx="0">
+            <a:schemeClr val="accent1"/>
+          </a:effectRef>
+          <a:fontRef idx="minor">
+            <a:schemeClr val="lt1"/>
+          </a:fontRef>
+        </p:style>
+        <p:txBody>
+          <a:bodyPr rtlCol="0" anchor="ctr"/>
+          <a:lstStyle/>
+          <a:p>
+            <a:pPr algn="ctr"/>
+            <a:r>
+              <a:rPr lang="en-US" sz="1600" dirty="0" smtClean="0">
+                <a:latin typeface="Montserrat" panose="00000500000000000000" pitchFamily="2" charset="0"/>
+                <a:cs typeface="Mongolian Baiti" panose="03000500000000000000" pitchFamily="66" charset="0"/>
+              </a:rPr>
+              <a:t>Intelligent Automatic micro-donations</a:t>
+            </a:r>
+            <a:endParaRPr lang="en-US" sz="1600" dirty="0">
+              <a:latin typeface="Montserrat" panose="00000500000000000000" pitchFamily="2" charset="0"/>
+              <a:cs typeface="Mongolian Baiti" panose="03000500000000000000" pitchFamily="66" charset="0"/>
+            </a:endParaRPr>
+          </a:p>
+        </p:txBody>
+      </p:sp>
+      <p:sp>
+        <p:nvSpPr>
+          <p:cNvPr id="15" name="Up Arrow 14"/>
+          <p:cNvSpPr/>
+          <p:nvPr/>
+        </p:nvSpPr>
+        <p:spPr>
+          <a:xfrm>
+            <a:off x="910268" y="3524920"/>
+            <a:ext cx="277586" cy="998220"/>
+          </a:xfrm>
+          <a:prstGeom prst="upArrow">
+            <a:avLst/>
+          </a:prstGeom>
+        </p:spPr>
+        <p:style>
+          <a:lnRef idx="2">
+            <a:schemeClr val="dk1">
+              <a:shade val="50000"/>
+            </a:schemeClr>
+          </a:lnRef>
+          <a:fillRef idx="1">
+            <a:schemeClr val="dk1"/>
+          </a:fillRef>
+          <a:effectRef idx="0">
+            <a:schemeClr val="dk1"/>
+          </a:effectRef>
+          <a:fontRef idx="minor">
+            <a:schemeClr val="lt1"/>
+          </a:fontRef>
+        </p:style>
+        <p:txBody>
+          <a:bodyPr rtlCol="0" anchor="ctr"/>
+          <a:lstStyle/>
+          <a:p>
+            <a:pPr algn="ctr"/>
+            <a:endParaRPr lang="en-US"/>
+          </a:p>
+        </p:txBody>
+      </p:sp>
+      <p:sp>
+        <p:nvSpPr>
+          <p:cNvPr id="23" name="Up Arrow 22"/>
+          <p:cNvSpPr/>
+          <p:nvPr/>
+        </p:nvSpPr>
+        <p:spPr>
+          <a:xfrm rot="10800000">
+            <a:off x="2210241" y="3575021"/>
+            <a:ext cx="320712" cy="995417"/>
+          </a:xfrm>
+          <a:prstGeom prst="upArrow">
+            <a:avLst/>
+          </a:prstGeom>
+        </p:spPr>
+        <p:style>
+          <a:lnRef idx="2">
+            <a:schemeClr val="dk1">
+              <a:shade val="50000"/>
+            </a:schemeClr>
+          </a:lnRef>
+          <a:fillRef idx="1">
+            <a:schemeClr val="dk1"/>
+          </a:fillRef>
+          <a:effectRef idx="0">
+            <a:schemeClr val="dk1"/>
+          </a:effectRef>
+          <a:fontRef idx="minor">
+            <a:schemeClr val="lt1"/>
+          </a:fontRef>
+        </p:style>
+        <p:txBody>
+          <a:bodyPr rtlCol="0" anchor="ctr"/>
+          <a:lstStyle/>
+          <a:p>
+            <a:pPr algn="ctr"/>
+            <a:endParaRPr lang="en-US"/>
+          </a:p>
+        </p:txBody>
+      </p:sp>
+      <p:sp>
+        <p:nvSpPr>
+          <p:cNvPr id="24" name="TextBox 23"/>
+          <p:cNvSpPr txBox="1"/>
+          <p:nvPr/>
+        </p:nvSpPr>
+        <p:spPr>
+          <a:xfrm>
+            <a:off x="1171375" y="3849682"/>
+            <a:ext cx="1450280" cy="307777"/>
+          </a:xfrm>
+          <a:prstGeom prst="rect">
+            <a:avLst/>
+          </a:prstGeom>
+          <a:noFill/>
+        </p:spPr>
+        <p:txBody>
+          <a:bodyPr wrap="square" rtlCol="0">
+            <a:spAutoFit/>
+          </a:bodyPr>
+          <a:lstStyle/>
+          <a:p>
+            <a:r>
+              <a:rPr lang="en-US" sz="1400" dirty="0" smtClean="0">
+                <a:latin typeface="Montserrat Black" panose="00000A00000000000000" pitchFamily="2" charset="0"/>
+              </a:rPr>
+              <a:t>BUY / SELL</a:t>
+            </a:r>
+            <a:endParaRPr lang="en-US" sz="1400" dirty="0">
+              <a:latin typeface="Montserrat Black" panose="00000A00000000000000" pitchFamily="2" charset="0"/>
+            </a:endParaRPr>
+          </a:p>
+        </p:txBody>
+      </p:sp>
     </p:spTree>
     <p:extLst>
       <p:ext uri="{BB962C8B-B14F-4D97-AF65-F5344CB8AC3E}">
@@ -5972,12 +7976,1243 @@
   <p:clrMapOvr>
     <a:masterClrMapping/>
   </p:clrMapOvr>
+  <p:transition spd="slow">
+    <p:push dir="u"/>
+  </p:transition>
   <p:timing>
     <p:tnLst>
       <p:par>
-        <p:cTn id="1" dur="indefinite" restart="never" nodeType="tmRoot"/>
+        <p:cTn id="1" dur="indefinite" restart="never" nodeType="tmRoot">
+          <p:childTnLst>
+            <p:seq concurrent="1" nextAc="seek">
+              <p:cTn id="2" dur="indefinite" nodeType="mainSeq">
+                <p:childTnLst>
+                  <p:par>
+                    <p:cTn id="3" fill="hold">
+                      <p:stCondLst>
+                        <p:cond delay="indefinite"/>
+                      </p:stCondLst>
+                      <p:childTnLst>
+                        <p:par>
+                          <p:cTn id="4" fill="hold">
+                            <p:stCondLst>
+                              <p:cond delay="0"/>
+                            </p:stCondLst>
+                            <p:childTnLst>
+                              <p:par>
+                                <p:cTn id="5" presetID="2" presetClass="entr" presetSubtype="1" fill="hold" grpId="0" nodeType="clickEffect">
+                                  <p:stCondLst>
+                                    <p:cond delay="0"/>
+                                  </p:stCondLst>
+                                  <p:childTnLst>
+                                    <p:set>
+                                      <p:cBhvr>
+                                        <p:cTn id="6" dur="1" fill="hold">
+                                          <p:stCondLst>
+                                            <p:cond delay="0"/>
+                                          </p:stCondLst>
+                                        </p:cTn>
+                                        <p:tgtEl>
+                                          <p:spTgt spid="2"/>
+                                        </p:tgtEl>
+                                        <p:attrNameLst>
+                                          <p:attrName>style.visibility</p:attrName>
+                                        </p:attrNameLst>
+                                      </p:cBhvr>
+                                      <p:to>
+                                        <p:strVal val="visible"/>
+                                      </p:to>
+                                    </p:set>
+                                    <p:anim calcmode="lin" valueType="num">
+                                      <p:cBhvr additive="base">
+                                        <p:cTn id="7" dur="250" fill="hold"/>
+                                        <p:tgtEl>
+                                          <p:spTgt spid="2"/>
+                                        </p:tgtEl>
+                                        <p:attrNameLst>
+                                          <p:attrName>ppt_x</p:attrName>
+                                        </p:attrNameLst>
+                                      </p:cBhvr>
+                                      <p:tavLst>
+                                        <p:tav tm="0">
+                                          <p:val>
+                                            <p:strVal val="#ppt_x"/>
+                                          </p:val>
+                                        </p:tav>
+                                        <p:tav tm="100000">
+                                          <p:val>
+                                            <p:strVal val="#ppt_x"/>
+                                          </p:val>
+                                        </p:tav>
+                                      </p:tavLst>
+                                    </p:anim>
+                                    <p:anim calcmode="lin" valueType="num">
+                                      <p:cBhvr additive="base">
+                                        <p:cTn id="8" dur="250" fill="hold"/>
+                                        <p:tgtEl>
+                                          <p:spTgt spid="2"/>
+                                        </p:tgtEl>
+                                        <p:attrNameLst>
+                                          <p:attrName>ppt_y</p:attrName>
+                                        </p:attrNameLst>
+                                      </p:cBhvr>
+                                      <p:tavLst>
+                                        <p:tav tm="0">
+                                          <p:val>
+                                            <p:strVal val="0-#ppt_h/2"/>
+                                          </p:val>
+                                        </p:tav>
+                                        <p:tav tm="100000">
+                                          <p:val>
+                                            <p:strVal val="#ppt_y"/>
+                                          </p:val>
+                                        </p:tav>
+                                      </p:tavLst>
+                                    </p:anim>
+                                  </p:childTnLst>
+                                </p:cTn>
+                              </p:par>
+                            </p:childTnLst>
+                          </p:cTn>
+                        </p:par>
+                      </p:childTnLst>
+                    </p:cTn>
+                  </p:par>
+                  <p:par>
+                    <p:cTn id="9" fill="hold">
+                      <p:stCondLst>
+                        <p:cond delay="indefinite"/>
+                      </p:stCondLst>
+                      <p:childTnLst>
+                        <p:par>
+                          <p:cTn id="10" fill="hold">
+                            <p:stCondLst>
+                              <p:cond delay="0"/>
+                            </p:stCondLst>
+                            <p:childTnLst>
+                              <p:par>
+                                <p:cTn id="11" presetID="1" presetClass="entr" presetSubtype="0" fill="hold" nodeType="clickEffect">
+                                  <p:stCondLst>
+                                    <p:cond delay="0"/>
+                                  </p:stCondLst>
+                                  <p:childTnLst>
+                                    <p:set>
+                                      <p:cBhvr>
+                                        <p:cTn id="12" dur="1" fill="hold">
+                                          <p:stCondLst>
+                                            <p:cond delay="0"/>
+                                          </p:stCondLst>
+                                        </p:cTn>
+                                        <p:tgtEl>
+                                          <p:spTgt spid="4"/>
+                                        </p:tgtEl>
+                                        <p:attrNameLst>
+                                          <p:attrName>style.visibility</p:attrName>
+                                        </p:attrNameLst>
+                                      </p:cBhvr>
+                                      <p:to>
+                                        <p:strVal val="visible"/>
+                                      </p:to>
+                                    </p:set>
+                                  </p:childTnLst>
+                                </p:cTn>
+                              </p:par>
+                            </p:childTnLst>
+                          </p:cTn>
+                        </p:par>
+                      </p:childTnLst>
+                    </p:cTn>
+                  </p:par>
+                  <p:par>
+                    <p:cTn id="13" fill="hold">
+                      <p:stCondLst>
+                        <p:cond delay="indefinite"/>
+                      </p:stCondLst>
+                      <p:childTnLst>
+                        <p:par>
+                          <p:cTn id="14" fill="hold">
+                            <p:stCondLst>
+                              <p:cond delay="0"/>
+                            </p:stCondLst>
+                            <p:childTnLst>
+                              <p:par>
+                                <p:cTn id="15" presetID="1" presetClass="entr" presetSubtype="0" fill="hold" nodeType="clickEffect">
+                                  <p:stCondLst>
+                                    <p:cond delay="0"/>
+                                  </p:stCondLst>
+                                  <p:childTnLst>
+                                    <p:set>
+                                      <p:cBhvr>
+                                        <p:cTn id="16" dur="1" fill="hold">
+                                          <p:stCondLst>
+                                            <p:cond delay="0"/>
+                                          </p:stCondLst>
+                                        </p:cTn>
+                                        <p:tgtEl>
+                                          <p:spTgt spid="7"/>
+                                        </p:tgtEl>
+                                        <p:attrNameLst>
+                                          <p:attrName>style.visibility</p:attrName>
+                                        </p:attrNameLst>
+                                      </p:cBhvr>
+                                      <p:to>
+                                        <p:strVal val="visible"/>
+                                      </p:to>
+                                    </p:set>
+                                  </p:childTnLst>
+                                </p:cTn>
+                              </p:par>
+                            </p:childTnLst>
+                          </p:cTn>
+                        </p:par>
+                      </p:childTnLst>
+                    </p:cTn>
+                  </p:par>
+                  <p:par>
+                    <p:cTn id="17" fill="hold">
+                      <p:stCondLst>
+                        <p:cond delay="indefinite"/>
+                      </p:stCondLst>
+                      <p:childTnLst>
+                        <p:par>
+                          <p:cTn id="18" fill="hold">
+                            <p:stCondLst>
+                              <p:cond delay="0"/>
+                            </p:stCondLst>
+                            <p:childTnLst>
+                              <p:par>
+                                <p:cTn id="19" presetID="1" presetClass="entr" presetSubtype="0" fill="hold" nodeType="clickEffect">
+                                  <p:stCondLst>
+                                    <p:cond delay="0"/>
+                                  </p:stCondLst>
+                                  <p:childTnLst>
+                                    <p:set>
+                                      <p:cBhvr>
+                                        <p:cTn id="20" dur="1" fill="hold">
+                                          <p:stCondLst>
+                                            <p:cond delay="0"/>
+                                          </p:stCondLst>
+                                        </p:cTn>
+                                        <p:tgtEl>
+                                          <p:spTgt spid="8"/>
+                                        </p:tgtEl>
+                                        <p:attrNameLst>
+                                          <p:attrName>style.visibility</p:attrName>
+                                        </p:attrNameLst>
+                                      </p:cBhvr>
+                                      <p:to>
+                                        <p:strVal val="visible"/>
+                                      </p:to>
+                                    </p:set>
+                                  </p:childTnLst>
+                                </p:cTn>
+                              </p:par>
+                            </p:childTnLst>
+                          </p:cTn>
+                        </p:par>
+                      </p:childTnLst>
+                    </p:cTn>
+                  </p:par>
+                  <p:par>
+                    <p:cTn id="21" fill="hold">
+                      <p:stCondLst>
+                        <p:cond delay="indefinite"/>
+                      </p:stCondLst>
+                      <p:childTnLst>
+                        <p:par>
+                          <p:cTn id="22" fill="hold">
+                            <p:stCondLst>
+                              <p:cond delay="0"/>
+                            </p:stCondLst>
+                            <p:childTnLst>
+                              <p:par>
+                                <p:cTn id="23" presetID="1" presetClass="entr" presetSubtype="0" fill="hold" nodeType="clickEffect">
+                                  <p:stCondLst>
+                                    <p:cond delay="0"/>
+                                  </p:stCondLst>
+                                  <p:childTnLst>
+                                    <p:set>
+                                      <p:cBhvr>
+                                        <p:cTn id="24" dur="1" fill="hold">
+                                          <p:stCondLst>
+                                            <p:cond delay="0"/>
+                                          </p:stCondLst>
+                                        </p:cTn>
+                                        <p:tgtEl>
+                                          <p:spTgt spid="11"/>
+                                        </p:tgtEl>
+                                        <p:attrNameLst>
+                                          <p:attrName>style.visibility</p:attrName>
+                                        </p:attrNameLst>
+                                      </p:cBhvr>
+                                      <p:to>
+                                        <p:strVal val="visible"/>
+                                      </p:to>
+                                    </p:set>
+                                  </p:childTnLst>
+                                </p:cTn>
+                              </p:par>
+                            </p:childTnLst>
+                          </p:cTn>
+                        </p:par>
+                      </p:childTnLst>
+                    </p:cTn>
+                  </p:par>
+                  <p:par>
+                    <p:cTn id="25" fill="hold">
+                      <p:stCondLst>
+                        <p:cond delay="indefinite"/>
+                      </p:stCondLst>
+                      <p:childTnLst>
+                        <p:par>
+                          <p:cTn id="26" fill="hold">
+                            <p:stCondLst>
+                              <p:cond delay="0"/>
+                            </p:stCondLst>
+                            <p:childTnLst>
+                              <p:par>
+                                <p:cTn id="27" presetID="1" presetClass="entr" presetSubtype="0" fill="hold" grpId="0" nodeType="clickEffect">
+                                  <p:stCondLst>
+                                    <p:cond delay="0"/>
+                                  </p:stCondLst>
+                                  <p:childTnLst>
+                                    <p:set>
+                                      <p:cBhvr>
+                                        <p:cTn id="28" dur="1" fill="hold">
+                                          <p:stCondLst>
+                                            <p:cond delay="0"/>
+                                          </p:stCondLst>
+                                        </p:cTn>
+                                        <p:tgtEl>
+                                          <p:spTgt spid="14"/>
+                                        </p:tgtEl>
+                                        <p:attrNameLst>
+                                          <p:attrName>style.visibility</p:attrName>
+                                        </p:attrNameLst>
+                                      </p:cBhvr>
+                                      <p:to>
+                                        <p:strVal val="visible"/>
+                                      </p:to>
+                                    </p:set>
+                                  </p:childTnLst>
+                                </p:cTn>
+                              </p:par>
+                            </p:childTnLst>
+                          </p:cTn>
+                        </p:par>
+                      </p:childTnLst>
+                    </p:cTn>
+                  </p:par>
+                  <p:par>
+                    <p:cTn id="29" fill="hold">
+                      <p:stCondLst>
+                        <p:cond delay="indefinite"/>
+                      </p:stCondLst>
+                      <p:childTnLst>
+                        <p:par>
+                          <p:cTn id="30" fill="hold">
+                            <p:stCondLst>
+                              <p:cond delay="0"/>
+                            </p:stCondLst>
+                            <p:childTnLst>
+                              <p:par>
+                                <p:cTn id="31" presetID="1" presetClass="entr" presetSubtype="0" fill="hold" grpId="0" nodeType="clickEffect">
+                                  <p:stCondLst>
+                                    <p:cond delay="0"/>
+                                  </p:stCondLst>
+                                  <p:childTnLst>
+                                    <p:set>
+                                      <p:cBhvr>
+                                        <p:cTn id="32" dur="1" fill="hold">
+                                          <p:stCondLst>
+                                            <p:cond delay="0"/>
+                                          </p:stCondLst>
+                                        </p:cTn>
+                                        <p:tgtEl>
+                                          <p:spTgt spid="19"/>
+                                        </p:tgtEl>
+                                        <p:attrNameLst>
+                                          <p:attrName>style.visibility</p:attrName>
+                                        </p:attrNameLst>
+                                      </p:cBhvr>
+                                      <p:to>
+                                        <p:strVal val="visible"/>
+                                      </p:to>
+                                    </p:set>
+                                  </p:childTnLst>
+                                </p:cTn>
+                              </p:par>
+                            </p:childTnLst>
+                          </p:cTn>
+                        </p:par>
+                      </p:childTnLst>
+                    </p:cTn>
+                  </p:par>
+                  <p:par>
+                    <p:cTn id="33" fill="hold">
+                      <p:stCondLst>
+                        <p:cond delay="indefinite"/>
+                      </p:stCondLst>
+                      <p:childTnLst>
+                        <p:par>
+                          <p:cTn id="34" fill="hold">
+                            <p:stCondLst>
+                              <p:cond delay="0"/>
+                            </p:stCondLst>
+                            <p:childTnLst>
+                              <p:par>
+                                <p:cTn id="35" presetID="10" presetClass="entr" presetSubtype="0" fill="hold" grpId="0" nodeType="clickEffect">
+                                  <p:stCondLst>
+                                    <p:cond delay="0"/>
+                                  </p:stCondLst>
+                                  <p:childTnLst>
+                                    <p:set>
+                                      <p:cBhvr>
+                                        <p:cTn id="36" dur="1" fill="hold">
+                                          <p:stCondLst>
+                                            <p:cond delay="0"/>
+                                          </p:stCondLst>
+                                        </p:cTn>
+                                        <p:tgtEl>
+                                          <p:spTgt spid="23"/>
+                                        </p:tgtEl>
+                                        <p:attrNameLst>
+                                          <p:attrName>style.visibility</p:attrName>
+                                        </p:attrNameLst>
+                                      </p:cBhvr>
+                                      <p:to>
+                                        <p:strVal val="visible"/>
+                                      </p:to>
+                                    </p:set>
+                                    <p:animEffect transition="in" filter="fade">
+                                      <p:cBhvr>
+                                        <p:cTn id="37" dur="500"/>
+                                        <p:tgtEl>
+                                          <p:spTgt spid="23"/>
+                                        </p:tgtEl>
+                                      </p:cBhvr>
+                                    </p:animEffect>
+                                  </p:childTnLst>
+                                </p:cTn>
+                              </p:par>
+                              <p:par>
+                                <p:cTn id="38" presetID="10" presetClass="entr" presetSubtype="0" fill="hold" grpId="0" nodeType="withEffect">
+                                  <p:stCondLst>
+                                    <p:cond delay="0"/>
+                                  </p:stCondLst>
+                                  <p:childTnLst>
+                                    <p:set>
+                                      <p:cBhvr>
+                                        <p:cTn id="39" dur="1" fill="hold">
+                                          <p:stCondLst>
+                                            <p:cond delay="0"/>
+                                          </p:stCondLst>
+                                        </p:cTn>
+                                        <p:tgtEl>
+                                          <p:spTgt spid="24"/>
+                                        </p:tgtEl>
+                                        <p:attrNameLst>
+                                          <p:attrName>style.visibility</p:attrName>
+                                        </p:attrNameLst>
+                                      </p:cBhvr>
+                                      <p:to>
+                                        <p:strVal val="visible"/>
+                                      </p:to>
+                                    </p:set>
+                                    <p:animEffect transition="in" filter="fade">
+                                      <p:cBhvr>
+                                        <p:cTn id="40" dur="500"/>
+                                        <p:tgtEl>
+                                          <p:spTgt spid="24"/>
+                                        </p:tgtEl>
+                                      </p:cBhvr>
+                                    </p:animEffect>
+                                  </p:childTnLst>
+                                </p:cTn>
+                              </p:par>
+                              <p:par>
+                                <p:cTn id="41" presetID="10" presetClass="entr" presetSubtype="0" fill="hold" grpId="0" nodeType="withEffect">
+                                  <p:stCondLst>
+                                    <p:cond delay="0"/>
+                                  </p:stCondLst>
+                                  <p:childTnLst>
+                                    <p:set>
+                                      <p:cBhvr>
+                                        <p:cTn id="42" dur="1" fill="hold">
+                                          <p:stCondLst>
+                                            <p:cond delay="0"/>
+                                          </p:stCondLst>
+                                        </p:cTn>
+                                        <p:tgtEl>
+                                          <p:spTgt spid="15"/>
+                                        </p:tgtEl>
+                                        <p:attrNameLst>
+                                          <p:attrName>style.visibility</p:attrName>
+                                        </p:attrNameLst>
+                                      </p:cBhvr>
+                                      <p:to>
+                                        <p:strVal val="visible"/>
+                                      </p:to>
+                                    </p:set>
+                                    <p:animEffect transition="in" filter="fade">
+                                      <p:cBhvr>
+                                        <p:cTn id="43" dur="500"/>
+                                        <p:tgtEl>
+                                          <p:spTgt spid="15"/>
+                                        </p:tgtEl>
+                                      </p:cBhvr>
+                                    </p:animEffect>
+                                  </p:childTnLst>
+                                </p:cTn>
+                              </p:par>
+                            </p:childTnLst>
+                          </p:cTn>
+                        </p:par>
+                      </p:childTnLst>
+                    </p:cTn>
+                  </p:par>
+                  <p:par>
+                    <p:cTn id="44" fill="hold">
+                      <p:stCondLst>
+                        <p:cond delay="indefinite"/>
+                      </p:stCondLst>
+                      <p:childTnLst>
+                        <p:par>
+                          <p:cTn id="45" fill="hold">
+                            <p:stCondLst>
+                              <p:cond delay="0"/>
+                            </p:stCondLst>
+                            <p:childTnLst>
+                              <p:par>
+                                <p:cTn id="46" presetID="1" presetClass="entr" presetSubtype="0" fill="hold" grpId="0" nodeType="clickEffect">
+                                  <p:stCondLst>
+                                    <p:cond delay="0"/>
+                                  </p:stCondLst>
+                                  <p:childTnLst>
+                                    <p:set>
+                                      <p:cBhvr>
+                                        <p:cTn id="47" dur="1" fill="hold">
+                                          <p:stCondLst>
+                                            <p:cond delay="0"/>
+                                          </p:stCondLst>
+                                        </p:cTn>
+                                        <p:tgtEl>
+                                          <p:spTgt spid="22"/>
+                                        </p:tgtEl>
+                                        <p:attrNameLst>
+                                          <p:attrName>style.visibility</p:attrName>
+                                        </p:attrNameLst>
+                                      </p:cBhvr>
+                                      <p:to>
+                                        <p:strVal val="visible"/>
+                                      </p:to>
+                                    </p:set>
+                                  </p:childTnLst>
+                                </p:cTn>
+                              </p:par>
+                            </p:childTnLst>
+                          </p:cTn>
+                        </p:par>
+                      </p:childTnLst>
+                    </p:cTn>
+                  </p:par>
+                  <p:par>
+                    <p:cTn id="48" fill="hold">
+                      <p:stCondLst>
+                        <p:cond delay="indefinite"/>
+                      </p:stCondLst>
+                      <p:childTnLst>
+                        <p:par>
+                          <p:cTn id="49" fill="hold">
+                            <p:stCondLst>
+                              <p:cond delay="0"/>
+                            </p:stCondLst>
+                            <p:childTnLst>
+                              <p:par>
+                                <p:cTn id="50" presetID="1" presetClass="entr" presetSubtype="0" fill="hold" grpId="0" nodeType="clickEffect">
+                                  <p:stCondLst>
+                                    <p:cond delay="0"/>
+                                  </p:stCondLst>
+                                  <p:childTnLst>
+                                    <p:set>
+                                      <p:cBhvr>
+                                        <p:cTn id="51" dur="1" fill="hold">
+                                          <p:stCondLst>
+                                            <p:cond delay="0"/>
+                                          </p:stCondLst>
+                                        </p:cTn>
+                                        <p:tgtEl>
+                                          <p:spTgt spid="21"/>
+                                        </p:tgtEl>
+                                        <p:attrNameLst>
+                                          <p:attrName>style.visibility</p:attrName>
+                                        </p:attrNameLst>
+                                      </p:cBhvr>
+                                      <p:to>
+                                        <p:strVal val="visible"/>
+                                      </p:to>
+                                    </p:set>
+                                  </p:childTnLst>
+                                </p:cTn>
+                              </p:par>
+                            </p:childTnLst>
+                          </p:cTn>
+                        </p:par>
+                      </p:childTnLst>
+                    </p:cTn>
+                  </p:par>
+                  <p:par>
+                    <p:cTn id="52" fill="hold">
+                      <p:stCondLst>
+                        <p:cond delay="indefinite"/>
+                      </p:stCondLst>
+                      <p:childTnLst>
+                        <p:par>
+                          <p:cTn id="53" fill="hold">
+                            <p:stCondLst>
+                              <p:cond delay="0"/>
+                            </p:stCondLst>
+                            <p:childTnLst>
+                              <p:par>
+                                <p:cTn id="54" presetID="1" presetClass="entr" presetSubtype="0" fill="hold" grpId="0" nodeType="clickEffect">
+                                  <p:stCondLst>
+                                    <p:cond delay="0"/>
+                                  </p:stCondLst>
+                                  <p:childTnLst>
+                                    <p:set>
+                                      <p:cBhvr>
+                                        <p:cTn id="55" dur="1" fill="hold">
+                                          <p:stCondLst>
+                                            <p:cond delay="0"/>
+                                          </p:stCondLst>
+                                        </p:cTn>
+                                        <p:tgtEl>
+                                          <p:spTgt spid="3"/>
+                                        </p:tgtEl>
+                                        <p:attrNameLst>
+                                          <p:attrName>style.visibility</p:attrName>
+                                        </p:attrNameLst>
+                                      </p:cBhvr>
+                                      <p:to>
+                                        <p:strVal val="visible"/>
+                                      </p:to>
+                                    </p:set>
+                                  </p:childTnLst>
+                                </p:cTn>
+                              </p:par>
+                            </p:childTnLst>
+                          </p:cTn>
+                        </p:par>
+                      </p:childTnLst>
+                    </p:cTn>
+                  </p:par>
+                </p:childTnLst>
+              </p:cTn>
+              <p:prevCondLst>
+                <p:cond evt="onPrev" delay="0">
+                  <p:tgtEl>
+                    <p:sldTgt/>
+                  </p:tgtEl>
+                </p:cond>
+              </p:prevCondLst>
+              <p:nextCondLst>
+                <p:cond evt="onNext" delay="0">
+                  <p:tgtEl>
+                    <p:sldTgt/>
+                  </p:tgtEl>
+                </p:cond>
+              </p:nextCondLst>
+            </p:seq>
+          </p:childTnLst>
+        </p:cTn>
       </p:par>
     </p:tnLst>
+    <p:bldLst>
+      <p:bldP spid="2" grpId="0"/>
+      <p:bldP spid="14" grpId="0" animBg="1"/>
+      <p:bldP spid="19" grpId="0" animBg="1"/>
+      <p:bldP spid="3" grpId="0" animBg="1"/>
+      <p:bldP spid="21" grpId="0" animBg="1"/>
+      <p:bldP spid="22" grpId="0" animBg="1"/>
+      <p:bldP spid="15" grpId="0" animBg="1"/>
+      <p:bldP spid="23" grpId="0" animBg="1"/>
+      <p:bldP spid="24" grpId="0"/>
+    </p:bldLst>
+  </p:timing>
+</p:sld>
+</file>
+
+<file path=ppt/slides/slide5.xml><?xml version="1.0" encoding="utf-8"?>
+<p:sld xmlns:a="http://schemas.openxmlformats.org/drawingml/2006/main" xmlns:r="http://schemas.openxmlformats.org/officeDocument/2006/relationships" xmlns:p="http://schemas.openxmlformats.org/presentationml/2006/main">
+  <p:cSld>
+    <p:bg>
+      <p:bgPr>
+        <a:solidFill>
+          <a:srgbClr val="E9D758"/>
+        </a:solidFill>
+        <a:effectLst/>
+      </p:bgPr>
+    </p:bg>
+    <p:spTree>
+      <p:nvGrpSpPr>
+        <p:cNvPr id="1" name=""/>
+        <p:cNvGrpSpPr/>
+        <p:nvPr/>
+      </p:nvGrpSpPr>
+      <p:grpSpPr>
+        <a:xfrm>
+          <a:off x="0" y="0"/>
+          <a:ext cx="0" cy="0"/>
+          <a:chOff x="0" y="0"/>
+          <a:chExt cx="0" cy="0"/>
+        </a:xfrm>
+      </p:grpSpPr>
+      <p:sp>
+        <p:nvSpPr>
+          <p:cNvPr id="2" name="Title 1"/>
+          <p:cNvSpPr>
+            <a:spLocks noGrp="1"/>
+          </p:cNvSpPr>
+          <p:nvPr>
+            <p:ph type="title"/>
+          </p:nvPr>
+        </p:nvSpPr>
+        <p:spPr/>
+        <p:txBody>
+          <a:bodyPr/>
+          <a:lstStyle/>
+          <a:p>
+            <a:pPr algn="ctr"/>
+            <a:r>
+              <a:rPr lang="en-US" dirty="0" smtClean="0">
+                <a:latin typeface="Montserrat Black" panose="00000A00000000000000" pitchFamily="2" charset="0"/>
+              </a:rPr>
+              <a:t>BUSINESS MODEL</a:t>
+            </a:r>
+            <a:endParaRPr lang="en-US" dirty="0">
+              <a:latin typeface="Montserrat Black" panose="00000A00000000000000" pitchFamily="2" charset="0"/>
+            </a:endParaRPr>
+          </a:p>
+        </p:txBody>
+      </p:sp>
+      <p:sp>
+        <p:nvSpPr>
+          <p:cNvPr id="3" name="Content Placeholder 2"/>
+          <p:cNvSpPr>
+            <a:spLocks noGrp="1"/>
+          </p:cNvSpPr>
+          <p:nvPr>
+            <p:ph idx="1"/>
+          </p:nvPr>
+        </p:nvSpPr>
+        <p:spPr/>
+        <p:txBody>
+          <a:bodyPr>
+            <a:normAutofit/>
+          </a:bodyPr>
+          <a:lstStyle/>
+          <a:p>
+            <a:pPr>
+              <a:lnSpc>
+                <a:spcPct val="250000"/>
+              </a:lnSpc>
+            </a:pPr>
+            <a:r>
+              <a:rPr lang="en-US" sz="3200" dirty="0" smtClean="0">
+                <a:solidFill>
+                  <a:schemeClr val="bg1">
+                    <a:lumMod val="95000"/>
+                  </a:schemeClr>
+                </a:solidFill>
+                <a:latin typeface="Montserrat Black" panose="00000A00000000000000" pitchFamily="2" charset="0"/>
+              </a:rPr>
+              <a:t>SUBSCRIPTION MODEL (MERCHANTS)</a:t>
+            </a:r>
+          </a:p>
+          <a:p>
+            <a:pPr>
+              <a:lnSpc>
+                <a:spcPct val="250000"/>
+              </a:lnSpc>
+            </a:pPr>
+            <a:r>
+              <a:rPr lang="en-US" sz="3200" dirty="0" smtClean="0">
+                <a:solidFill>
+                  <a:schemeClr val="bg1">
+                    <a:lumMod val="95000"/>
+                  </a:schemeClr>
+                </a:solidFill>
+                <a:latin typeface="Montserrat Black" panose="00000A00000000000000" pitchFamily="2" charset="0"/>
+              </a:rPr>
+              <a:t>OPTIONAL MICRO-DONATIONS</a:t>
+            </a:r>
+          </a:p>
+          <a:p>
+            <a:pPr>
+              <a:lnSpc>
+                <a:spcPct val="250000"/>
+              </a:lnSpc>
+            </a:pPr>
+            <a:r>
+              <a:rPr lang="en-US" sz="3200" dirty="0">
+                <a:solidFill>
+                  <a:schemeClr val="bg1">
+                    <a:lumMod val="95000"/>
+                  </a:schemeClr>
+                </a:solidFill>
+                <a:latin typeface="Montserrat Black" panose="00000A00000000000000" pitchFamily="2" charset="0"/>
+              </a:rPr>
+              <a:t>DONATIONS</a:t>
+            </a:r>
+          </a:p>
+        </p:txBody>
+      </p:sp>
+    </p:spTree>
+    <p:extLst>
+      <p:ext uri="{BB962C8B-B14F-4D97-AF65-F5344CB8AC3E}">
+        <p14:creationId xmlns:p14="http://schemas.microsoft.com/office/powerpoint/2010/main" val="177715498"/>
+      </p:ext>
+    </p:extLst>
+  </p:cSld>
+  <p:clrMapOvr>
+    <a:masterClrMapping/>
+  </p:clrMapOvr>
+  <p:transition spd="slow">
+    <p:push dir="u"/>
+  </p:transition>
+  <p:timing>
+    <p:tnLst>
+      <p:par>
+        <p:cTn id="1" dur="indefinite" restart="never" nodeType="tmRoot">
+          <p:childTnLst>
+            <p:seq concurrent="1" nextAc="seek">
+              <p:cTn id="2" dur="indefinite" nodeType="mainSeq">
+                <p:childTnLst>
+                  <p:par>
+                    <p:cTn id="3" fill="hold">
+                      <p:stCondLst>
+                        <p:cond delay="indefinite"/>
+                      </p:stCondLst>
+                      <p:childTnLst>
+                        <p:par>
+                          <p:cTn id="4" fill="hold">
+                            <p:stCondLst>
+                              <p:cond delay="0"/>
+                            </p:stCondLst>
+                            <p:childTnLst>
+                              <p:par>
+                                <p:cTn id="5" presetID="2" presetClass="entr" presetSubtype="1" fill="hold" grpId="0" nodeType="clickEffect">
+                                  <p:stCondLst>
+                                    <p:cond delay="0"/>
+                                  </p:stCondLst>
+                                  <p:childTnLst>
+                                    <p:set>
+                                      <p:cBhvr>
+                                        <p:cTn id="6" dur="1" fill="hold">
+                                          <p:stCondLst>
+                                            <p:cond delay="0"/>
+                                          </p:stCondLst>
+                                        </p:cTn>
+                                        <p:tgtEl>
+                                          <p:spTgt spid="2"/>
+                                        </p:tgtEl>
+                                        <p:attrNameLst>
+                                          <p:attrName>style.visibility</p:attrName>
+                                        </p:attrNameLst>
+                                      </p:cBhvr>
+                                      <p:to>
+                                        <p:strVal val="visible"/>
+                                      </p:to>
+                                    </p:set>
+                                    <p:anim calcmode="lin" valueType="num">
+                                      <p:cBhvr additive="base">
+                                        <p:cTn id="7" dur="250" fill="hold"/>
+                                        <p:tgtEl>
+                                          <p:spTgt spid="2"/>
+                                        </p:tgtEl>
+                                        <p:attrNameLst>
+                                          <p:attrName>ppt_x</p:attrName>
+                                        </p:attrNameLst>
+                                      </p:cBhvr>
+                                      <p:tavLst>
+                                        <p:tav tm="0">
+                                          <p:val>
+                                            <p:strVal val="#ppt_x"/>
+                                          </p:val>
+                                        </p:tav>
+                                        <p:tav tm="100000">
+                                          <p:val>
+                                            <p:strVal val="#ppt_x"/>
+                                          </p:val>
+                                        </p:tav>
+                                      </p:tavLst>
+                                    </p:anim>
+                                    <p:anim calcmode="lin" valueType="num">
+                                      <p:cBhvr additive="base">
+                                        <p:cTn id="8" dur="250" fill="hold"/>
+                                        <p:tgtEl>
+                                          <p:spTgt spid="2"/>
+                                        </p:tgtEl>
+                                        <p:attrNameLst>
+                                          <p:attrName>ppt_y</p:attrName>
+                                        </p:attrNameLst>
+                                      </p:cBhvr>
+                                      <p:tavLst>
+                                        <p:tav tm="0">
+                                          <p:val>
+                                            <p:strVal val="0-#ppt_h/2"/>
+                                          </p:val>
+                                        </p:tav>
+                                        <p:tav tm="100000">
+                                          <p:val>
+                                            <p:strVal val="#ppt_y"/>
+                                          </p:val>
+                                        </p:tav>
+                                      </p:tavLst>
+                                    </p:anim>
+                                  </p:childTnLst>
+                                </p:cTn>
+                              </p:par>
+                            </p:childTnLst>
+                          </p:cTn>
+                        </p:par>
+                      </p:childTnLst>
+                    </p:cTn>
+                  </p:par>
+                  <p:par>
+                    <p:cTn id="9" fill="hold">
+                      <p:stCondLst>
+                        <p:cond delay="indefinite"/>
+                      </p:stCondLst>
+                      <p:childTnLst>
+                        <p:par>
+                          <p:cTn id="10" fill="hold">
+                            <p:stCondLst>
+                              <p:cond delay="0"/>
+                            </p:stCondLst>
+                            <p:childTnLst>
+                              <p:par>
+                                <p:cTn id="11" presetID="2" presetClass="entr" presetSubtype="4" fill="hold" grpId="0" nodeType="clickEffect">
+                                  <p:stCondLst>
+                                    <p:cond delay="0"/>
+                                  </p:stCondLst>
+                                  <p:childTnLst>
+                                    <p:set>
+                                      <p:cBhvr>
+                                        <p:cTn id="12" dur="1" fill="hold">
+                                          <p:stCondLst>
+                                            <p:cond delay="0"/>
+                                          </p:stCondLst>
+                                        </p:cTn>
+                                        <p:tgtEl>
+                                          <p:spTgt spid="3">
+                                            <p:txEl>
+                                              <p:pRg st="0" end="0"/>
+                                            </p:txEl>
+                                          </p:spTgt>
+                                        </p:tgtEl>
+                                        <p:attrNameLst>
+                                          <p:attrName>style.visibility</p:attrName>
+                                        </p:attrNameLst>
+                                      </p:cBhvr>
+                                      <p:to>
+                                        <p:strVal val="visible"/>
+                                      </p:to>
+                                    </p:set>
+                                    <p:anim calcmode="lin" valueType="num">
+                                      <p:cBhvr additive="base">
+                                        <p:cTn id="13" dur="500" fill="hold"/>
+                                        <p:tgtEl>
+                                          <p:spTgt spid="3">
+                                            <p:txEl>
+                                              <p:pRg st="0" end="0"/>
+                                            </p:txEl>
+                                          </p:spTgt>
+                                        </p:tgtEl>
+                                        <p:attrNameLst>
+                                          <p:attrName>ppt_x</p:attrName>
+                                        </p:attrNameLst>
+                                      </p:cBhvr>
+                                      <p:tavLst>
+                                        <p:tav tm="0">
+                                          <p:val>
+                                            <p:strVal val="#ppt_x"/>
+                                          </p:val>
+                                        </p:tav>
+                                        <p:tav tm="100000">
+                                          <p:val>
+                                            <p:strVal val="#ppt_x"/>
+                                          </p:val>
+                                        </p:tav>
+                                      </p:tavLst>
+                                    </p:anim>
+                                    <p:anim calcmode="lin" valueType="num">
+                                      <p:cBhvr additive="base">
+                                        <p:cTn id="14" dur="500" fill="hold"/>
+                                        <p:tgtEl>
+                                          <p:spTgt spid="3">
+                                            <p:txEl>
+                                              <p:pRg st="0" end="0"/>
+                                            </p:txEl>
+                                          </p:spTgt>
+                                        </p:tgtEl>
+                                        <p:attrNameLst>
+                                          <p:attrName>ppt_y</p:attrName>
+                                        </p:attrNameLst>
+                                      </p:cBhvr>
+                                      <p:tavLst>
+                                        <p:tav tm="0">
+                                          <p:val>
+                                            <p:strVal val="1+#ppt_h/2"/>
+                                          </p:val>
+                                        </p:tav>
+                                        <p:tav tm="100000">
+                                          <p:val>
+                                            <p:strVal val="#ppt_y"/>
+                                          </p:val>
+                                        </p:tav>
+                                      </p:tavLst>
+                                    </p:anim>
+                                  </p:childTnLst>
+                                </p:cTn>
+                              </p:par>
+                            </p:childTnLst>
+                          </p:cTn>
+                        </p:par>
+                      </p:childTnLst>
+                    </p:cTn>
+                  </p:par>
+                  <p:par>
+                    <p:cTn id="15" fill="hold">
+                      <p:stCondLst>
+                        <p:cond delay="indefinite"/>
+                      </p:stCondLst>
+                      <p:childTnLst>
+                        <p:par>
+                          <p:cTn id="16" fill="hold">
+                            <p:stCondLst>
+                              <p:cond delay="0"/>
+                            </p:stCondLst>
+                            <p:childTnLst>
+                              <p:par>
+                                <p:cTn id="17" presetID="2" presetClass="entr" presetSubtype="4" fill="hold" grpId="0" nodeType="clickEffect">
+                                  <p:stCondLst>
+                                    <p:cond delay="0"/>
+                                  </p:stCondLst>
+                                  <p:childTnLst>
+                                    <p:set>
+                                      <p:cBhvr>
+                                        <p:cTn id="18" dur="1" fill="hold">
+                                          <p:stCondLst>
+                                            <p:cond delay="0"/>
+                                          </p:stCondLst>
+                                        </p:cTn>
+                                        <p:tgtEl>
+                                          <p:spTgt spid="3">
+                                            <p:txEl>
+                                              <p:pRg st="1" end="1"/>
+                                            </p:txEl>
+                                          </p:spTgt>
+                                        </p:tgtEl>
+                                        <p:attrNameLst>
+                                          <p:attrName>style.visibility</p:attrName>
+                                        </p:attrNameLst>
+                                      </p:cBhvr>
+                                      <p:to>
+                                        <p:strVal val="visible"/>
+                                      </p:to>
+                                    </p:set>
+                                    <p:anim calcmode="lin" valueType="num">
+                                      <p:cBhvr additive="base">
+                                        <p:cTn id="19" dur="500" fill="hold"/>
+                                        <p:tgtEl>
+                                          <p:spTgt spid="3">
+                                            <p:txEl>
+                                              <p:pRg st="1" end="1"/>
+                                            </p:txEl>
+                                          </p:spTgt>
+                                        </p:tgtEl>
+                                        <p:attrNameLst>
+                                          <p:attrName>ppt_x</p:attrName>
+                                        </p:attrNameLst>
+                                      </p:cBhvr>
+                                      <p:tavLst>
+                                        <p:tav tm="0">
+                                          <p:val>
+                                            <p:strVal val="#ppt_x"/>
+                                          </p:val>
+                                        </p:tav>
+                                        <p:tav tm="100000">
+                                          <p:val>
+                                            <p:strVal val="#ppt_x"/>
+                                          </p:val>
+                                        </p:tav>
+                                      </p:tavLst>
+                                    </p:anim>
+                                    <p:anim calcmode="lin" valueType="num">
+                                      <p:cBhvr additive="base">
+                                        <p:cTn id="20" dur="500" fill="hold"/>
+                                        <p:tgtEl>
+                                          <p:spTgt spid="3">
+                                            <p:txEl>
+                                              <p:pRg st="1" end="1"/>
+                                            </p:txEl>
+                                          </p:spTgt>
+                                        </p:tgtEl>
+                                        <p:attrNameLst>
+                                          <p:attrName>ppt_y</p:attrName>
+                                        </p:attrNameLst>
+                                      </p:cBhvr>
+                                      <p:tavLst>
+                                        <p:tav tm="0">
+                                          <p:val>
+                                            <p:strVal val="1+#ppt_h/2"/>
+                                          </p:val>
+                                        </p:tav>
+                                        <p:tav tm="100000">
+                                          <p:val>
+                                            <p:strVal val="#ppt_y"/>
+                                          </p:val>
+                                        </p:tav>
+                                      </p:tavLst>
+                                    </p:anim>
+                                  </p:childTnLst>
+                                </p:cTn>
+                              </p:par>
+                            </p:childTnLst>
+                          </p:cTn>
+                        </p:par>
+                      </p:childTnLst>
+                    </p:cTn>
+                  </p:par>
+                  <p:par>
+                    <p:cTn id="21" fill="hold">
+                      <p:stCondLst>
+                        <p:cond delay="indefinite"/>
+                      </p:stCondLst>
+                      <p:childTnLst>
+                        <p:par>
+                          <p:cTn id="22" fill="hold">
+                            <p:stCondLst>
+                              <p:cond delay="0"/>
+                            </p:stCondLst>
+                            <p:childTnLst>
+                              <p:par>
+                                <p:cTn id="23" presetID="2" presetClass="entr" presetSubtype="4" fill="hold" grpId="0" nodeType="clickEffect">
+                                  <p:stCondLst>
+                                    <p:cond delay="0"/>
+                                  </p:stCondLst>
+                                  <p:childTnLst>
+                                    <p:set>
+                                      <p:cBhvr>
+                                        <p:cTn id="24" dur="1" fill="hold">
+                                          <p:stCondLst>
+                                            <p:cond delay="0"/>
+                                          </p:stCondLst>
+                                        </p:cTn>
+                                        <p:tgtEl>
+                                          <p:spTgt spid="3">
+                                            <p:txEl>
+                                              <p:pRg st="2" end="2"/>
+                                            </p:txEl>
+                                          </p:spTgt>
+                                        </p:tgtEl>
+                                        <p:attrNameLst>
+                                          <p:attrName>style.visibility</p:attrName>
+                                        </p:attrNameLst>
+                                      </p:cBhvr>
+                                      <p:to>
+                                        <p:strVal val="visible"/>
+                                      </p:to>
+                                    </p:set>
+                                    <p:anim calcmode="lin" valueType="num">
+                                      <p:cBhvr additive="base">
+                                        <p:cTn id="25" dur="500" fill="hold"/>
+                                        <p:tgtEl>
+                                          <p:spTgt spid="3">
+                                            <p:txEl>
+                                              <p:pRg st="2" end="2"/>
+                                            </p:txEl>
+                                          </p:spTgt>
+                                        </p:tgtEl>
+                                        <p:attrNameLst>
+                                          <p:attrName>ppt_x</p:attrName>
+                                        </p:attrNameLst>
+                                      </p:cBhvr>
+                                      <p:tavLst>
+                                        <p:tav tm="0">
+                                          <p:val>
+                                            <p:strVal val="#ppt_x"/>
+                                          </p:val>
+                                        </p:tav>
+                                        <p:tav tm="100000">
+                                          <p:val>
+                                            <p:strVal val="#ppt_x"/>
+                                          </p:val>
+                                        </p:tav>
+                                      </p:tavLst>
+                                    </p:anim>
+                                    <p:anim calcmode="lin" valueType="num">
+                                      <p:cBhvr additive="base">
+                                        <p:cTn id="26" dur="500" fill="hold"/>
+                                        <p:tgtEl>
+                                          <p:spTgt spid="3">
+                                            <p:txEl>
+                                              <p:pRg st="2" end="2"/>
+                                            </p:txEl>
+                                          </p:spTgt>
+                                        </p:tgtEl>
+                                        <p:attrNameLst>
+                                          <p:attrName>ppt_y</p:attrName>
+                                        </p:attrNameLst>
+                                      </p:cBhvr>
+                                      <p:tavLst>
+                                        <p:tav tm="0">
+                                          <p:val>
+                                            <p:strVal val="1+#ppt_h/2"/>
+                                          </p:val>
+                                        </p:tav>
+                                        <p:tav tm="100000">
+                                          <p:val>
+                                            <p:strVal val="#ppt_y"/>
+                                          </p:val>
+                                        </p:tav>
+                                      </p:tavLst>
+                                    </p:anim>
+                                  </p:childTnLst>
+                                </p:cTn>
+                              </p:par>
+                            </p:childTnLst>
+                          </p:cTn>
+                        </p:par>
+                      </p:childTnLst>
+                    </p:cTn>
+                  </p:par>
+                </p:childTnLst>
+              </p:cTn>
+              <p:prevCondLst>
+                <p:cond evt="onPrev" delay="0">
+                  <p:tgtEl>
+                    <p:sldTgt/>
+                  </p:tgtEl>
+                </p:cond>
+              </p:prevCondLst>
+              <p:nextCondLst>
+                <p:cond evt="onNext" delay="0">
+                  <p:tgtEl>
+                    <p:sldTgt/>
+                  </p:tgtEl>
+                </p:cond>
+              </p:nextCondLst>
+            </p:seq>
+          </p:childTnLst>
+        </p:cTn>
+      </p:par>
+    </p:tnLst>
+    <p:bldLst>
+      <p:bldP spid="2" grpId="0"/>
+      <p:bldP spid="3" grpId="0" uiExpand="1" build="p"/>
+    </p:bldLst>
   </p:timing>
 </p:sld>
 </file>
@@ -6241,4 +9476,265 @@
     </a:ext>
   </a:extLst>
 </a:theme>
+</file>
+
+<file path=ppt/theme/theme2.xml><?xml version="1.0" encoding="utf-8"?>
+<a:theme xmlns:a="http://schemas.openxmlformats.org/drawingml/2006/main" name="Office Theme">
+  <a:themeElements>
+    <a:clrScheme name="Office">
+      <a:dk1>
+        <a:sysClr val="windowText" lastClr="000000"/>
+      </a:dk1>
+      <a:lt1>
+        <a:sysClr val="window" lastClr="FFFFFF"/>
+      </a:lt1>
+      <a:dk2>
+        <a:srgbClr val="44546A"/>
+      </a:dk2>
+      <a:lt2>
+        <a:srgbClr val="E7E6E6"/>
+      </a:lt2>
+      <a:accent1>
+        <a:srgbClr val="5B9BD5"/>
+      </a:accent1>
+      <a:accent2>
+        <a:srgbClr val="ED7D31"/>
+      </a:accent2>
+      <a:accent3>
+        <a:srgbClr val="A5A5A5"/>
+      </a:accent3>
+      <a:accent4>
+        <a:srgbClr val="FFC000"/>
+      </a:accent4>
+      <a:accent5>
+        <a:srgbClr val="4472C4"/>
+      </a:accent5>
+      <a:accent6>
+        <a:srgbClr val="70AD47"/>
+      </a:accent6>
+      <a:hlink>
+        <a:srgbClr val="0563C1"/>
+      </a:hlink>
+      <a:folHlink>
+        <a:srgbClr val="954F72"/>
+      </a:folHlink>
+    </a:clrScheme>
+    <a:fontScheme name="Office">
+      <a:majorFont>
+        <a:latin typeface="Calibri Light" panose="020F0302020204030204"/>
+        <a:ea typeface=""/>
+        <a:cs typeface=""/>
+        <a:font script="Jpan" typeface="ＭＳ Ｐゴシック"/>
+        <a:font script="Hang" typeface="맑은 고딕"/>
+        <a:font script="Hans" typeface="宋体"/>
+        <a:font script="Hant" typeface="新細明體"/>
+        <a:font script="Arab" typeface="Times New Roman"/>
+        <a:font script="Hebr" typeface="Times New Roman"/>
+        <a:font script="Thai" typeface="Angsana New"/>
+        <a:font script="Ethi" typeface="Nyala"/>
+        <a:font script="Beng" typeface="Vrinda"/>
+        <a:font script="Gujr" typeface="Shruti"/>
+        <a:font script="Khmr" typeface="MoolBoran"/>
+        <a:font script="Knda" typeface="Tunga"/>
+        <a:font script="Guru" typeface="Raavi"/>
+        <a:font script="Cans" typeface="Euphemia"/>
+        <a:font script="Cher" typeface="Plantagenet Cherokee"/>
+        <a:font script="Yiii" typeface="Microsoft Yi Baiti"/>
+        <a:font script="Tibt" typeface="Microsoft Himalaya"/>
+        <a:font script="Thaa" typeface="MV Boli"/>
+        <a:font script="Deva" typeface="Mangal"/>
+        <a:font script="Telu" typeface="Gautami"/>
+        <a:font script="Taml" typeface="Latha"/>
+        <a:font script="Syrc" typeface="Estrangelo Edessa"/>
+        <a:font script="Orya" typeface="Kalinga"/>
+        <a:font script="Mlym" typeface="Kartika"/>
+        <a:font script="Laoo" typeface="DokChampa"/>
+        <a:font script="Sinh" typeface="Iskoola Pota"/>
+        <a:font script="Mong" typeface="Mongolian Baiti"/>
+        <a:font script="Viet" typeface="Times New Roman"/>
+        <a:font script="Uigh" typeface="Microsoft Uighur"/>
+        <a:font script="Geor" typeface="Sylfaen"/>
+      </a:majorFont>
+      <a:minorFont>
+        <a:latin typeface="Calibri" panose="020F0502020204030204"/>
+        <a:ea typeface=""/>
+        <a:cs typeface=""/>
+        <a:font script="Jpan" typeface="ＭＳ Ｐゴシック"/>
+        <a:font script="Hang" typeface="맑은 고딕"/>
+        <a:font script="Hans" typeface="宋体"/>
+        <a:font script="Hant" typeface="新細明體"/>
+        <a:font script="Arab" typeface="Arial"/>
+        <a:font script="Hebr" typeface="Arial"/>
+        <a:font script="Thai" typeface="Cordia New"/>
+        <a:font script="Ethi" typeface="Nyala"/>
+        <a:font script="Beng" typeface="Vrinda"/>
+        <a:font script="Gujr" typeface="Shruti"/>
+        <a:font script="Khmr" typeface="DaunPenh"/>
+        <a:font script="Knda" typeface="Tunga"/>
+        <a:font script="Guru" typeface="Raavi"/>
+        <a:font script="Cans" typeface="Euphemia"/>
+        <a:font script="Cher" typeface="Plantagenet Cherokee"/>
+        <a:font script="Yiii" typeface="Microsoft Yi Baiti"/>
+        <a:font script="Tibt" typeface="Microsoft Himalaya"/>
+        <a:font script="Thaa" typeface="MV Boli"/>
+        <a:font script="Deva" typeface="Mangal"/>
+        <a:font script="Telu" typeface="Gautami"/>
+        <a:font script="Taml" typeface="Latha"/>
+        <a:font script="Syrc" typeface="Estrangelo Edessa"/>
+        <a:font script="Orya" typeface="Kalinga"/>
+        <a:font script="Mlym" typeface="Kartika"/>
+        <a:font script="Laoo" typeface="DokChampa"/>
+        <a:font script="Sinh" typeface="Iskoola Pota"/>
+        <a:font script="Mong" typeface="Mongolian Baiti"/>
+        <a:font script="Viet" typeface="Arial"/>
+        <a:font script="Uigh" typeface="Microsoft Uighur"/>
+        <a:font script="Geor" typeface="Sylfaen"/>
+      </a:minorFont>
+    </a:fontScheme>
+    <a:fmtScheme name="Office">
+      <a:fillStyleLst>
+        <a:solidFill>
+          <a:schemeClr val="phClr"/>
+        </a:solidFill>
+        <a:gradFill rotWithShape="1">
+          <a:gsLst>
+            <a:gs pos="0">
+              <a:schemeClr val="phClr">
+                <a:lumMod val="110000"/>
+                <a:satMod val="105000"/>
+                <a:tint val="67000"/>
+              </a:schemeClr>
+            </a:gs>
+            <a:gs pos="50000">
+              <a:schemeClr val="phClr">
+                <a:lumMod val="105000"/>
+                <a:satMod val="103000"/>
+                <a:tint val="73000"/>
+              </a:schemeClr>
+            </a:gs>
+            <a:gs pos="100000">
+              <a:schemeClr val="phClr">
+                <a:lumMod val="105000"/>
+                <a:satMod val="109000"/>
+                <a:tint val="81000"/>
+              </a:schemeClr>
+            </a:gs>
+          </a:gsLst>
+          <a:lin ang="5400000" scaled="0"/>
+        </a:gradFill>
+        <a:gradFill rotWithShape="1">
+          <a:gsLst>
+            <a:gs pos="0">
+              <a:schemeClr val="phClr">
+                <a:satMod val="103000"/>
+                <a:lumMod val="102000"/>
+                <a:tint val="94000"/>
+              </a:schemeClr>
+            </a:gs>
+            <a:gs pos="50000">
+              <a:schemeClr val="phClr">
+                <a:satMod val="110000"/>
+                <a:lumMod val="100000"/>
+                <a:shade val="100000"/>
+              </a:schemeClr>
+            </a:gs>
+            <a:gs pos="100000">
+              <a:schemeClr val="phClr">
+                <a:lumMod val="99000"/>
+                <a:satMod val="120000"/>
+                <a:shade val="78000"/>
+              </a:schemeClr>
+            </a:gs>
+          </a:gsLst>
+          <a:lin ang="5400000" scaled="0"/>
+        </a:gradFill>
+      </a:fillStyleLst>
+      <a:lnStyleLst>
+        <a:ln w="6350" cap="flat" cmpd="sng" algn="ctr">
+          <a:solidFill>
+            <a:schemeClr val="phClr"/>
+          </a:solidFill>
+          <a:prstDash val="solid"/>
+          <a:miter lim="800000"/>
+        </a:ln>
+        <a:ln w="12700" cap="flat" cmpd="sng" algn="ctr">
+          <a:solidFill>
+            <a:schemeClr val="phClr"/>
+          </a:solidFill>
+          <a:prstDash val="solid"/>
+          <a:miter lim="800000"/>
+        </a:ln>
+        <a:ln w="19050" cap="flat" cmpd="sng" algn="ctr">
+          <a:solidFill>
+            <a:schemeClr val="phClr"/>
+          </a:solidFill>
+          <a:prstDash val="solid"/>
+          <a:miter lim="800000"/>
+        </a:ln>
+      </a:lnStyleLst>
+      <a:effectStyleLst>
+        <a:effectStyle>
+          <a:effectLst/>
+        </a:effectStyle>
+        <a:effectStyle>
+          <a:effectLst/>
+        </a:effectStyle>
+        <a:effectStyle>
+          <a:effectLst>
+            <a:outerShdw blurRad="57150" dist="19050" dir="5400000" algn="ctr" rotWithShape="0">
+              <a:srgbClr val="000000">
+                <a:alpha val="63000"/>
+              </a:srgbClr>
+            </a:outerShdw>
+          </a:effectLst>
+        </a:effectStyle>
+      </a:effectStyleLst>
+      <a:bgFillStyleLst>
+        <a:solidFill>
+          <a:schemeClr val="phClr"/>
+        </a:solidFill>
+        <a:solidFill>
+          <a:schemeClr val="phClr">
+            <a:tint val="95000"/>
+            <a:satMod val="170000"/>
+          </a:schemeClr>
+        </a:solidFill>
+        <a:gradFill rotWithShape="1">
+          <a:gsLst>
+            <a:gs pos="0">
+              <a:schemeClr val="phClr">
+                <a:tint val="93000"/>
+                <a:satMod val="150000"/>
+                <a:shade val="98000"/>
+                <a:lumMod val="102000"/>
+              </a:schemeClr>
+            </a:gs>
+            <a:gs pos="50000">
+              <a:schemeClr val="phClr">
+                <a:tint val="98000"/>
+                <a:satMod val="130000"/>
+                <a:shade val="90000"/>
+                <a:lumMod val="103000"/>
+              </a:schemeClr>
+            </a:gs>
+            <a:gs pos="100000">
+              <a:schemeClr val="phClr">
+                <a:shade val="63000"/>
+                <a:satMod val="120000"/>
+              </a:schemeClr>
+            </a:gs>
+          </a:gsLst>
+          <a:lin ang="5400000" scaled="0"/>
+        </a:gradFill>
+      </a:bgFillStyleLst>
+    </a:fmtScheme>
+  </a:themeElements>
+  <a:objectDefaults/>
+  <a:extraClrSchemeLst/>
+  <a:extLst>
+    <a:ext uri="{05A4C25C-085E-4340-85A3-A5531E510DB2}">
+      <thm15:themeFamily xmlns:thm15="http://schemas.microsoft.com/office/thememl/2012/main" name="Office Theme" id="{62F939B6-93AF-4DB8-9C6B-D6C7DFDC589F}" vid="{4A3C46E8-61CC-4603-A589-7422A47A8E4A}"/>
+    </a:ext>
+  </a:extLst>
+</a:theme>
 </file>
--- a/Material/Pitch.pptx
+++ b/Material/Pitch.pptx
@@ -5,14 +5,15 @@
     <p:sldMasterId id="2147483648" r:id="rId1"/>
   </p:sldMasterIdLst>
   <p:notesMasterIdLst>
-    <p:notesMasterId r:id="rId7"/>
+    <p:notesMasterId r:id="rId8"/>
   </p:notesMasterIdLst>
   <p:sldIdLst>
     <p:sldId id="256" r:id="rId2"/>
     <p:sldId id="259" r:id="rId3"/>
     <p:sldId id="257" r:id="rId4"/>
     <p:sldId id="258" r:id="rId5"/>
-    <p:sldId id="260" r:id="rId6"/>
+    <p:sldId id="261" r:id="rId6"/>
+    <p:sldId id="260" r:id="rId7"/>
   </p:sldIdLst>
   <p:sldSz cx="12192000" cy="6858000"/>
   <p:notesSz cx="6858000" cy="9144000"/>
@@ -1119,15 +1120,15 @@
     </dgm:pt>
   </dgm:ptLst>
   <dgm:cxnLst>
+    <dgm:cxn modelId="{34071F0E-F1C3-484C-BC03-7430780D78B1}" type="presOf" srcId="{6FE57AD2-868A-407D-9F16-1597CC963B45}" destId="{F300BB8C-B2DB-4D21-BE00-15A7A81D2236}" srcOrd="0" destOrd="0" presId="urn:microsoft.com/office/officeart/2005/8/layout/radial4"/>
+    <dgm:cxn modelId="{6BB282F1-098F-490C-89D6-B6909F72C069}" srcId="{32AB486D-84F3-49E5-8408-6B190DFC90C9}" destId="{6FE57AD2-868A-407D-9F16-1597CC963B45}" srcOrd="0" destOrd="0" parTransId="{7A8941A5-C60E-4B69-BD57-D67020E3C8DE}" sibTransId="{E9DA57BB-6896-4994-9E2A-603E32D3E074}"/>
+    <dgm:cxn modelId="{818708B4-B47B-4D81-ADA3-9A89A72C3CCD}" srcId="{0ED77FEC-D19C-45B9-AD17-5E0F8770CFE6}" destId="{32AB486D-84F3-49E5-8408-6B190DFC90C9}" srcOrd="0" destOrd="0" parTransId="{341962D5-4D4E-4513-9BAE-05E9D69F8F13}" sibTransId="{1517A8F0-ED64-40DC-B445-6E993208F85D}"/>
+    <dgm:cxn modelId="{EF9B7FE0-A0AB-4425-9ECD-1FC9EDF5FE82}" type="presOf" srcId="{351CA6D0-47B5-4160-AF65-E4BD04248C68}" destId="{418833E8-282C-4195-B6E1-D38DCA42275A}" srcOrd="0" destOrd="0" presId="urn:microsoft.com/office/officeart/2005/8/layout/radial4"/>
+    <dgm:cxn modelId="{1E54146A-6ADE-48A6-8D24-C70875812B9D}" type="presOf" srcId="{0ED77FEC-D19C-45B9-AD17-5E0F8770CFE6}" destId="{06C41DCD-7BB0-4EA5-B6C2-96A4537C64A4}" srcOrd="0" destOrd="0" presId="urn:microsoft.com/office/officeart/2005/8/layout/radial4"/>
     <dgm:cxn modelId="{A3769E9E-335F-4169-AB76-CE88925AFD0D}" srcId="{32AB486D-84F3-49E5-8408-6B190DFC90C9}" destId="{351CA6D0-47B5-4160-AF65-E4BD04248C68}" srcOrd="1" destOrd="0" parTransId="{32C23DA6-7EBB-4E55-BA8C-356F0C87B6AC}" sibTransId="{B72B7B6A-4745-448D-931A-EAA3F9587395}"/>
-    <dgm:cxn modelId="{34071F0E-F1C3-484C-BC03-7430780D78B1}" type="presOf" srcId="{6FE57AD2-868A-407D-9F16-1597CC963B45}" destId="{F300BB8C-B2DB-4D21-BE00-15A7A81D2236}" srcOrd="0" destOrd="0" presId="urn:microsoft.com/office/officeart/2005/8/layout/radial4"/>
     <dgm:cxn modelId="{0E321712-5422-4C3A-9AB0-4279C05C3779}" type="presOf" srcId="{32C23DA6-7EBB-4E55-BA8C-356F0C87B6AC}" destId="{DCFC6B76-B592-456B-8ABA-CC01314BCC41}" srcOrd="0" destOrd="0" presId="urn:microsoft.com/office/officeart/2005/8/layout/radial4"/>
     <dgm:cxn modelId="{418C880B-4880-41FB-96E7-57074A0ADBD2}" type="presOf" srcId="{7A8941A5-C60E-4B69-BD57-D67020E3C8DE}" destId="{5ED84024-48BE-449E-9588-91C8C41A0C0B}" srcOrd="0" destOrd="0" presId="urn:microsoft.com/office/officeart/2005/8/layout/radial4"/>
-    <dgm:cxn modelId="{1E54146A-6ADE-48A6-8D24-C70875812B9D}" type="presOf" srcId="{0ED77FEC-D19C-45B9-AD17-5E0F8770CFE6}" destId="{06C41DCD-7BB0-4EA5-B6C2-96A4537C64A4}" srcOrd="0" destOrd="0" presId="urn:microsoft.com/office/officeart/2005/8/layout/radial4"/>
-    <dgm:cxn modelId="{EF9B7FE0-A0AB-4425-9ECD-1FC9EDF5FE82}" type="presOf" srcId="{351CA6D0-47B5-4160-AF65-E4BD04248C68}" destId="{418833E8-282C-4195-B6E1-D38DCA42275A}" srcOrd="0" destOrd="0" presId="urn:microsoft.com/office/officeart/2005/8/layout/radial4"/>
     <dgm:cxn modelId="{73407C9B-093A-404C-8B8B-1F45C0B59E72}" type="presOf" srcId="{32AB486D-84F3-49E5-8408-6B190DFC90C9}" destId="{A0F397BE-73CF-4253-AB83-0E27474349A9}" srcOrd="0" destOrd="0" presId="urn:microsoft.com/office/officeart/2005/8/layout/radial4"/>
-    <dgm:cxn modelId="{818708B4-B47B-4D81-ADA3-9A89A72C3CCD}" srcId="{0ED77FEC-D19C-45B9-AD17-5E0F8770CFE6}" destId="{32AB486D-84F3-49E5-8408-6B190DFC90C9}" srcOrd="0" destOrd="0" parTransId="{341962D5-4D4E-4513-9BAE-05E9D69F8F13}" sibTransId="{1517A8F0-ED64-40DC-B445-6E993208F85D}"/>
-    <dgm:cxn modelId="{6BB282F1-098F-490C-89D6-B6909F72C069}" srcId="{32AB486D-84F3-49E5-8408-6B190DFC90C9}" destId="{6FE57AD2-868A-407D-9F16-1597CC963B45}" srcOrd="0" destOrd="0" parTransId="{7A8941A5-C60E-4B69-BD57-D67020E3C8DE}" sibTransId="{E9DA57BB-6896-4994-9E2A-603E32D3E074}"/>
     <dgm:cxn modelId="{E067A5E3-4D64-4906-95A7-6E99F17A3B2A}" type="presParOf" srcId="{06C41DCD-7BB0-4EA5-B6C2-96A4537C64A4}" destId="{A0F397BE-73CF-4253-AB83-0E27474349A9}" srcOrd="0" destOrd="0" presId="urn:microsoft.com/office/officeart/2005/8/layout/radial4"/>
     <dgm:cxn modelId="{9C733A19-EC5D-4261-ABAF-265BE80C7683}" type="presParOf" srcId="{06C41DCD-7BB0-4EA5-B6C2-96A4537C64A4}" destId="{5ED84024-48BE-449E-9588-91C8C41A0C0B}" srcOrd="1" destOrd="0" presId="urn:microsoft.com/office/officeart/2005/8/layout/radial4"/>
     <dgm:cxn modelId="{F2553C31-9DAC-4BE2-B33A-37E3893B64EB}" type="presParOf" srcId="{06C41DCD-7BB0-4EA5-B6C2-96A4537C64A4}" destId="{F300BB8C-B2DB-4D21-BE00-15A7A81D2236}" srcOrd="2" destOrd="0" presId="urn:microsoft.com/office/officeart/2005/8/layout/radial4"/>
@@ -2849,7 +2850,7 @@
           <a:p>
             <a:fld id="{335E93A2-54D5-435B-B74A-FFA3683D1E55}" type="datetimeFigureOut">
               <a:rPr lang="en-US" smtClean="0"/>
-              <a:t>19-Oct-19</a:t>
+              <a:t>20-Oct-19</a:t>
             </a:fld>
             <a:endParaRPr lang="en-US"/>
           </a:p>
@@ -3375,7 +3376,7 @@
           <a:p>
             <a:fld id="{C7FC438E-12B6-4A71-AFB1-CF3C96D12D8E}" type="datetimeFigureOut">
               <a:rPr lang="en-US" smtClean="0"/>
-              <a:t>19-Oct-19</a:t>
+              <a:t>20-Oct-19</a:t>
             </a:fld>
             <a:endParaRPr lang="en-US"/>
           </a:p>
@@ -3545,7 +3546,7 @@
           <a:p>
             <a:fld id="{C7FC438E-12B6-4A71-AFB1-CF3C96D12D8E}" type="datetimeFigureOut">
               <a:rPr lang="en-US" smtClean="0"/>
-              <a:t>19-Oct-19</a:t>
+              <a:t>20-Oct-19</a:t>
             </a:fld>
             <a:endParaRPr lang="en-US"/>
           </a:p>
@@ -3725,7 +3726,7 @@
           <a:p>
             <a:fld id="{C7FC438E-12B6-4A71-AFB1-CF3C96D12D8E}" type="datetimeFigureOut">
               <a:rPr lang="en-US" smtClean="0"/>
-              <a:t>19-Oct-19</a:t>
+              <a:t>20-Oct-19</a:t>
             </a:fld>
             <a:endParaRPr lang="en-US"/>
           </a:p>
@@ -3895,7 +3896,7 @@
           <a:p>
             <a:fld id="{C7FC438E-12B6-4A71-AFB1-CF3C96D12D8E}" type="datetimeFigureOut">
               <a:rPr lang="en-US" smtClean="0"/>
-              <a:t>19-Oct-19</a:t>
+              <a:t>20-Oct-19</a:t>
             </a:fld>
             <a:endParaRPr lang="en-US"/>
           </a:p>
@@ -4141,7 +4142,7 @@
           <a:p>
             <a:fld id="{C7FC438E-12B6-4A71-AFB1-CF3C96D12D8E}" type="datetimeFigureOut">
               <a:rPr lang="en-US" smtClean="0"/>
-              <a:t>19-Oct-19</a:t>
+              <a:t>20-Oct-19</a:t>
             </a:fld>
             <a:endParaRPr lang="en-US"/>
           </a:p>
@@ -4373,7 +4374,7 @@
           <a:p>
             <a:fld id="{C7FC438E-12B6-4A71-AFB1-CF3C96D12D8E}" type="datetimeFigureOut">
               <a:rPr lang="en-US" smtClean="0"/>
-              <a:t>19-Oct-19</a:t>
+              <a:t>20-Oct-19</a:t>
             </a:fld>
             <a:endParaRPr lang="en-US"/>
           </a:p>
@@ -4740,7 +4741,7 @@
           <a:p>
             <a:fld id="{C7FC438E-12B6-4A71-AFB1-CF3C96D12D8E}" type="datetimeFigureOut">
               <a:rPr lang="en-US" smtClean="0"/>
-              <a:t>19-Oct-19</a:t>
+              <a:t>20-Oct-19</a:t>
             </a:fld>
             <a:endParaRPr lang="en-US"/>
           </a:p>
@@ -4858,7 +4859,7 @@
           <a:p>
             <a:fld id="{C7FC438E-12B6-4A71-AFB1-CF3C96D12D8E}" type="datetimeFigureOut">
               <a:rPr lang="en-US" smtClean="0"/>
-              <a:t>19-Oct-19</a:t>
+              <a:t>20-Oct-19</a:t>
             </a:fld>
             <a:endParaRPr lang="en-US"/>
           </a:p>
@@ -4953,7 +4954,7 @@
           <a:p>
             <a:fld id="{C7FC438E-12B6-4A71-AFB1-CF3C96D12D8E}" type="datetimeFigureOut">
               <a:rPr lang="en-US" smtClean="0"/>
-              <a:t>19-Oct-19</a:t>
+              <a:t>20-Oct-19</a:t>
             </a:fld>
             <a:endParaRPr lang="en-US"/>
           </a:p>
@@ -5230,7 +5231,7 @@
           <a:p>
             <a:fld id="{C7FC438E-12B6-4A71-AFB1-CF3C96D12D8E}" type="datetimeFigureOut">
               <a:rPr lang="en-US" smtClean="0"/>
-              <a:t>19-Oct-19</a:t>
+              <a:t>20-Oct-19</a:t>
             </a:fld>
             <a:endParaRPr lang="en-US"/>
           </a:p>
@@ -5483,7 +5484,7 @@
           <a:p>
             <a:fld id="{C7FC438E-12B6-4A71-AFB1-CF3C96D12D8E}" type="datetimeFigureOut">
               <a:rPr lang="en-US" smtClean="0"/>
-              <a:t>19-Oct-19</a:t>
+              <a:t>20-Oct-19</a:t>
             </a:fld>
             <a:endParaRPr lang="en-US"/>
           </a:p>
@@ -5696,7 +5697,7 @@
           <a:p>
             <a:fld id="{C7FC438E-12B6-4A71-AFB1-CF3C96D12D8E}" type="datetimeFigureOut">
               <a:rPr lang="en-US" smtClean="0"/>
-              <a:t>19-Oct-19</a:t>
+              <a:t>20-Oct-19</a:t>
             </a:fld>
             <a:endParaRPr lang="en-US"/>
           </a:p>
@@ -7658,19 +7659,7 @@
               <a:rPr lang="en-US" sz="1600" dirty="0" smtClean="0">
                 <a:latin typeface="Montserrat" panose="00000500000000000000" pitchFamily="2" charset="0"/>
               </a:rPr>
-              <a:t>Submit </a:t>
-            </a:r>
-            <a:r>
-              <a:rPr lang="en-US" sz="1600" dirty="0" smtClean="0">
-                <a:latin typeface="Montserrat" panose="00000500000000000000" pitchFamily="2" charset="0"/>
-              </a:rPr>
-              <a:t>campaigns </a:t>
-            </a:r>
-            <a:r>
-              <a:rPr lang="en-US" sz="1600" dirty="0" smtClean="0">
-                <a:latin typeface="Montserrat" panose="00000500000000000000" pitchFamily="2" charset="0"/>
-              </a:rPr>
-              <a:t>on our Network</a:t>
+              <a:t>Submit campaigns on our Network</a:t>
             </a:r>
             <a:endParaRPr lang="en-US" sz="1600" dirty="0">
               <a:latin typeface="Montserrat" panose="00000500000000000000" pitchFamily="2" charset="0"/>
@@ -8643,6 +8632,957 @@
 </file>
 
 <file path=ppt/slides/slide5.xml><?xml version="1.0" encoding="utf-8"?>
+<p:sld xmlns:a="http://schemas.openxmlformats.org/drawingml/2006/main" xmlns:r="http://schemas.openxmlformats.org/officeDocument/2006/relationships" xmlns:p="http://schemas.openxmlformats.org/presentationml/2006/main">
+  <p:cSld>
+    <p:spTree>
+      <p:nvGrpSpPr>
+        <p:cNvPr id="1" name=""/>
+        <p:cNvGrpSpPr/>
+        <p:nvPr/>
+      </p:nvGrpSpPr>
+      <p:grpSpPr>
+        <a:xfrm>
+          <a:off x="0" y="0"/>
+          <a:ext cx="0" cy="0"/>
+          <a:chOff x="0" y="0"/>
+          <a:chExt cx="0" cy="0"/>
+        </a:xfrm>
+      </p:grpSpPr>
+      <p:sp>
+        <p:nvSpPr>
+          <p:cNvPr id="2" name="Title 1"/>
+          <p:cNvSpPr>
+            <a:spLocks noGrp="1"/>
+          </p:cNvSpPr>
+          <p:nvPr>
+            <p:ph type="title"/>
+          </p:nvPr>
+        </p:nvSpPr>
+        <p:spPr/>
+        <p:txBody>
+          <a:bodyPr>
+            <a:normAutofit/>
+          </a:bodyPr>
+          <a:lstStyle/>
+          <a:p>
+            <a:r>
+              <a:rPr lang="en-US" sz="3600" dirty="0" smtClean="0">
+                <a:solidFill>
+                  <a:srgbClr val="E9D758"/>
+                </a:solidFill>
+                <a:latin typeface="Montserrat Black" panose="00000A00000000000000" pitchFamily="2" charset="0"/>
+              </a:rPr>
+              <a:t>INTELLIGENT</a:t>
+            </a:r>
+            <a:r>
+              <a:rPr lang="en-US" sz="3600" dirty="0" smtClean="0">
+                <a:latin typeface="Montserrat Black" panose="00000A00000000000000" pitchFamily="2" charset="0"/>
+              </a:rPr>
+              <a:t> MICRO-DONATION </a:t>
+            </a:r>
+            <a:r>
+              <a:rPr lang="en-US" sz="3600" dirty="0" smtClean="0">
+                <a:solidFill>
+                  <a:srgbClr val="E9D758"/>
+                </a:solidFill>
+                <a:latin typeface="Montserrat Black" panose="00000A00000000000000" pitchFamily="2" charset="0"/>
+              </a:rPr>
+              <a:t>ALGORITHMS </a:t>
+            </a:r>
+            <a:r>
+              <a:rPr lang="en-US" sz="2000" i="1" dirty="0" smtClean="0">
+                <a:latin typeface="Montserrat" panose="00000500000000000000" pitchFamily="2" charset="0"/>
+              </a:rPr>
+              <a:t>~ Future Extension</a:t>
+            </a:r>
+            <a:endParaRPr lang="en-US" sz="3600" i="1" dirty="0">
+              <a:latin typeface="Montserrat" panose="00000500000000000000" pitchFamily="2" charset="0"/>
+            </a:endParaRPr>
+          </a:p>
+        </p:txBody>
+      </p:sp>
+      <p:pic>
+        <p:nvPicPr>
+          <p:cNvPr id="4" name="Picture 3"/>
+          <p:cNvPicPr>
+            <a:picLocks noChangeAspect="1"/>
+          </p:cNvPicPr>
+          <p:nvPr/>
+        </p:nvPicPr>
+        <p:blipFill>
+          <a:blip r:embed="rId2" cstate="print">
+            <a:extLst>
+              <a:ext uri="{28A0092B-C50C-407E-A947-70E740481C1C}">
+                <a14:useLocalDpi xmlns:a14="http://schemas.microsoft.com/office/drawing/2010/main" val="0"/>
+              </a:ext>
+            </a:extLst>
+          </a:blip>
+          <a:stretch>
+            <a:fillRect/>
+          </a:stretch>
+        </p:blipFill>
+        <p:spPr>
+          <a:xfrm>
+            <a:off x="838200" y="1690688"/>
+            <a:ext cx="3980688" cy="2184791"/>
+          </a:xfrm>
+          <a:prstGeom prst="rect">
+            <a:avLst/>
+          </a:prstGeom>
+        </p:spPr>
+      </p:pic>
+      <p:pic>
+        <p:nvPicPr>
+          <p:cNvPr id="5" name="Picture 4"/>
+          <p:cNvPicPr>
+            <a:picLocks noChangeAspect="1"/>
+          </p:cNvPicPr>
+          <p:nvPr/>
+        </p:nvPicPr>
+        <p:blipFill>
+          <a:blip r:embed="rId3" cstate="print">
+            <a:extLst>
+              <a:ext uri="{28A0092B-C50C-407E-A947-70E740481C1C}">
+                <a14:useLocalDpi xmlns:a14="http://schemas.microsoft.com/office/drawing/2010/main" val="0"/>
+              </a:ext>
+            </a:extLst>
+          </a:blip>
+          <a:stretch>
+            <a:fillRect/>
+          </a:stretch>
+        </p:blipFill>
+        <p:spPr>
+          <a:xfrm>
+            <a:off x="838200" y="4261104"/>
+            <a:ext cx="3978655" cy="2237994"/>
+          </a:xfrm>
+          <a:prstGeom prst="rect">
+            <a:avLst/>
+          </a:prstGeom>
+        </p:spPr>
+      </p:pic>
+      <p:sp>
+        <p:nvSpPr>
+          <p:cNvPr id="6" name="Right Arrow 5"/>
+          <p:cNvSpPr/>
+          <p:nvPr/>
+        </p:nvSpPr>
+        <p:spPr>
+          <a:xfrm>
+            <a:off x="5009895" y="2851504"/>
+            <a:ext cx="4361688" cy="475488"/>
+          </a:xfrm>
+          <a:prstGeom prst="rightArrow">
+            <a:avLst/>
+          </a:prstGeom>
+          <a:solidFill>
+            <a:srgbClr val="9CDE9F"/>
+          </a:solidFill>
+          <a:ln>
+            <a:solidFill>
+              <a:srgbClr val="9CDE9F"/>
+            </a:solidFill>
+          </a:ln>
+        </p:spPr>
+        <p:style>
+          <a:lnRef idx="2">
+            <a:schemeClr val="accent1">
+              <a:shade val="50000"/>
+            </a:schemeClr>
+          </a:lnRef>
+          <a:fillRef idx="1">
+            <a:schemeClr val="accent1"/>
+          </a:fillRef>
+          <a:effectRef idx="0">
+            <a:schemeClr val="accent1"/>
+          </a:effectRef>
+          <a:fontRef idx="minor">
+            <a:schemeClr val="lt1"/>
+          </a:fontRef>
+        </p:style>
+        <p:txBody>
+          <a:bodyPr rtlCol="0" anchor="ctr"/>
+          <a:lstStyle/>
+          <a:p>
+            <a:pPr algn="ctr"/>
+            <a:endParaRPr lang="en-US"/>
+          </a:p>
+        </p:txBody>
+      </p:sp>
+      <p:sp>
+        <p:nvSpPr>
+          <p:cNvPr id="8" name="TextBox 7"/>
+          <p:cNvSpPr txBox="1"/>
+          <p:nvPr/>
+        </p:nvSpPr>
+        <p:spPr>
+          <a:xfrm>
+            <a:off x="5009895" y="2073312"/>
+            <a:ext cx="4361688" cy="646331"/>
+          </a:xfrm>
+          <a:prstGeom prst="rect">
+            <a:avLst/>
+          </a:prstGeom>
+          <a:noFill/>
+        </p:spPr>
+        <p:txBody>
+          <a:bodyPr wrap="square" rtlCol="0">
+            <a:spAutoFit/>
+          </a:bodyPr>
+          <a:lstStyle/>
+          <a:p>
+            <a:r>
+              <a:rPr lang="en-US" dirty="0" smtClean="0">
+                <a:solidFill>
+                  <a:srgbClr val="E9D758"/>
+                </a:solidFill>
+                <a:latin typeface="Montserrat Black" panose="00000A00000000000000" pitchFamily="2" charset="0"/>
+              </a:rPr>
+              <a:t>A.I. DISCOVERS </a:t>
+            </a:r>
+            <a:r>
+              <a:rPr lang="en-US" dirty="0" smtClean="0">
+                <a:latin typeface="Montserrat Black" panose="00000A00000000000000" pitchFamily="2" charset="0"/>
+              </a:rPr>
+              <a:t>GLOBAL DISASTER THROUGH ONLINE NEWS</a:t>
+            </a:r>
+            <a:endParaRPr lang="en-US" dirty="0">
+              <a:latin typeface="Montserrat Black" panose="00000A00000000000000" pitchFamily="2" charset="0"/>
+            </a:endParaRPr>
+          </a:p>
+        </p:txBody>
+      </p:sp>
+      <p:sp>
+        <p:nvSpPr>
+          <p:cNvPr id="10" name="Right Arrow 9"/>
+          <p:cNvSpPr/>
+          <p:nvPr/>
+        </p:nvSpPr>
+        <p:spPr>
+          <a:xfrm>
+            <a:off x="5009895" y="5353912"/>
+            <a:ext cx="4361688" cy="475488"/>
+          </a:xfrm>
+          <a:prstGeom prst="rightArrow">
+            <a:avLst/>
+          </a:prstGeom>
+          <a:solidFill>
+            <a:srgbClr val="9CDE9F"/>
+          </a:solidFill>
+          <a:ln>
+            <a:solidFill>
+              <a:srgbClr val="9CDE9F"/>
+            </a:solidFill>
+          </a:ln>
+        </p:spPr>
+        <p:style>
+          <a:lnRef idx="2">
+            <a:schemeClr val="accent1">
+              <a:shade val="50000"/>
+            </a:schemeClr>
+          </a:lnRef>
+          <a:fillRef idx="1">
+            <a:schemeClr val="accent1"/>
+          </a:fillRef>
+          <a:effectRef idx="0">
+            <a:schemeClr val="accent1"/>
+          </a:effectRef>
+          <a:fontRef idx="minor">
+            <a:schemeClr val="lt1"/>
+          </a:fontRef>
+        </p:style>
+        <p:txBody>
+          <a:bodyPr rtlCol="0" anchor="ctr"/>
+          <a:lstStyle/>
+          <a:p>
+            <a:pPr algn="ctr"/>
+            <a:endParaRPr lang="en-US"/>
+          </a:p>
+        </p:txBody>
+      </p:sp>
+      <p:sp>
+        <p:nvSpPr>
+          <p:cNvPr id="11" name="TextBox 10"/>
+          <p:cNvSpPr txBox="1"/>
+          <p:nvPr/>
+        </p:nvSpPr>
+        <p:spPr>
+          <a:xfrm>
+            <a:off x="5009895" y="4575720"/>
+            <a:ext cx="4361688" cy="646331"/>
+          </a:xfrm>
+          <a:prstGeom prst="rect">
+            <a:avLst/>
+          </a:prstGeom>
+          <a:noFill/>
+        </p:spPr>
+        <p:txBody>
+          <a:bodyPr wrap="square" rtlCol="0">
+            <a:spAutoFit/>
+          </a:bodyPr>
+          <a:lstStyle/>
+          <a:p>
+            <a:r>
+              <a:rPr lang="en-US" dirty="0" smtClean="0">
+                <a:solidFill>
+                  <a:srgbClr val="E9D758"/>
+                </a:solidFill>
+                <a:latin typeface="Montserrat Black" panose="00000A00000000000000" pitchFamily="2" charset="0"/>
+              </a:rPr>
+              <a:t>A.I. PREDICTS </a:t>
+            </a:r>
+            <a:r>
+              <a:rPr lang="en-US" dirty="0" smtClean="0">
+                <a:latin typeface="Montserrat Black" panose="00000A00000000000000" pitchFamily="2" charset="0"/>
+              </a:rPr>
+              <a:t>HOMELESS CRISIS IN LIMASSOL</a:t>
+            </a:r>
+            <a:endParaRPr lang="en-US" dirty="0">
+              <a:latin typeface="Montserrat Black" panose="00000A00000000000000" pitchFamily="2" charset="0"/>
+            </a:endParaRPr>
+          </a:p>
+        </p:txBody>
+      </p:sp>
+      <p:sp>
+        <p:nvSpPr>
+          <p:cNvPr id="12" name="TextBox 11"/>
+          <p:cNvSpPr txBox="1"/>
+          <p:nvPr/>
+        </p:nvSpPr>
+        <p:spPr>
+          <a:xfrm>
+            <a:off x="9371583" y="2766082"/>
+            <a:ext cx="2645664" cy="646331"/>
+          </a:xfrm>
+          <a:prstGeom prst="rect">
+            <a:avLst/>
+          </a:prstGeom>
+          <a:noFill/>
+        </p:spPr>
+        <p:txBody>
+          <a:bodyPr wrap="square" rtlCol="0">
+            <a:spAutoFit/>
+          </a:bodyPr>
+          <a:lstStyle/>
+          <a:p>
+            <a:r>
+              <a:rPr lang="en-US" dirty="0" smtClean="0">
+                <a:solidFill>
+                  <a:srgbClr val="E9D758"/>
+                </a:solidFill>
+                <a:latin typeface="Montserrat Black" panose="00000A00000000000000" pitchFamily="2" charset="0"/>
+              </a:rPr>
+              <a:t>PRIORITY </a:t>
+            </a:r>
+            <a:r>
+              <a:rPr lang="en-US" dirty="0" smtClean="0">
+                <a:latin typeface="Montserrat Black" panose="00000A00000000000000" pitchFamily="2" charset="0"/>
+              </a:rPr>
+              <a:t>IN GLOBAL DISASTER CAUSES</a:t>
+            </a:r>
+            <a:endParaRPr lang="en-US" dirty="0">
+              <a:latin typeface="Montserrat Black" panose="00000A00000000000000" pitchFamily="2" charset="0"/>
+            </a:endParaRPr>
+          </a:p>
+        </p:txBody>
+      </p:sp>
+      <p:sp>
+        <p:nvSpPr>
+          <p:cNvPr id="13" name="TextBox 12"/>
+          <p:cNvSpPr txBox="1"/>
+          <p:nvPr/>
+        </p:nvSpPr>
+        <p:spPr>
+          <a:xfrm>
+            <a:off x="9371583" y="4991491"/>
+            <a:ext cx="2645664" cy="1200329"/>
+          </a:xfrm>
+          <a:prstGeom prst="rect">
+            <a:avLst/>
+          </a:prstGeom>
+          <a:noFill/>
+        </p:spPr>
+        <p:txBody>
+          <a:bodyPr wrap="square" rtlCol="0">
+            <a:spAutoFit/>
+          </a:bodyPr>
+          <a:lstStyle/>
+          <a:p>
+            <a:r>
+              <a:rPr lang="en-US" dirty="0" smtClean="0">
+                <a:solidFill>
+                  <a:srgbClr val="E9D758"/>
+                </a:solidFill>
+                <a:latin typeface="Montserrat Black" panose="00000A00000000000000" pitchFamily="2" charset="0"/>
+              </a:rPr>
+              <a:t>PRIORITY </a:t>
+            </a:r>
+            <a:r>
+              <a:rPr lang="en-US" dirty="0" smtClean="0">
+                <a:latin typeface="Montserrat Black" panose="00000A00000000000000" pitchFamily="2" charset="0"/>
+              </a:rPr>
+              <a:t>IN HOMELESS CAUSES  </a:t>
+            </a:r>
+            <a:r>
+              <a:rPr lang="en-US" dirty="0" smtClean="0">
+                <a:solidFill>
+                  <a:srgbClr val="E9D758"/>
+                </a:solidFill>
+                <a:latin typeface="Montserrat Black" panose="00000A00000000000000" pitchFamily="2" charset="0"/>
+              </a:rPr>
+              <a:t>AROUND LIMASSOL DISTRICT</a:t>
+            </a:r>
+            <a:endParaRPr lang="en-US" dirty="0">
+              <a:solidFill>
+                <a:srgbClr val="E9D758"/>
+              </a:solidFill>
+              <a:latin typeface="Montserrat Black" panose="00000A00000000000000" pitchFamily="2" charset="0"/>
+            </a:endParaRPr>
+          </a:p>
+        </p:txBody>
+      </p:sp>
+    </p:spTree>
+    <p:extLst>
+      <p:ext uri="{BB962C8B-B14F-4D97-AF65-F5344CB8AC3E}">
+        <p14:creationId xmlns:p14="http://schemas.microsoft.com/office/powerpoint/2010/main" val="3623832159"/>
+      </p:ext>
+    </p:extLst>
+  </p:cSld>
+  <p:clrMapOvr>
+    <a:masterClrMapping/>
+  </p:clrMapOvr>
+  <p:transition spd="slow">
+    <p:push dir="u"/>
+  </p:transition>
+  <p:timing>
+    <p:tnLst>
+      <p:par>
+        <p:cTn id="1" dur="indefinite" restart="never" nodeType="tmRoot">
+          <p:childTnLst>
+            <p:seq concurrent="1" nextAc="seek">
+              <p:cTn id="2" dur="indefinite" nodeType="mainSeq">
+                <p:childTnLst>
+                  <p:par>
+                    <p:cTn id="3" fill="hold">
+                      <p:stCondLst>
+                        <p:cond delay="indefinite"/>
+                      </p:stCondLst>
+                      <p:childTnLst>
+                        <p:par>
+                          <p:cTn id="4" fill="hold">
+                            <p:stCondLst>
+                              <p:cond delay="0"/>
+                            </p:stCondLst>
+                            <p:childTnLst>
+                              <p:par>
+                                <p:cTn id="5" presetID="2" presetClass="entr" presetSubtype="8" fill="hold" grpId="0" nodeType="clickEffect">
+                                  <p:stCondLst>
+                                    <p:cond delay="0"/>
+                                  </p:stCondLst>
+                                  <p:childTnLst>
+                                    <p:set>
+                                      <p:cBhvr>
+                                        <p:cTn id="6" dur="1" fill="hold">
+                                          <p:stCondLst>
+                                            <p:cond delay="0"/>
+                                          </p:stCondLst>
+                                        </p:cTn>
+                                        <p:tgtEl>
+                                          <p:spTgt spid="2"/>
+                                        </p:tgtEl>
+                                        <p:attrNameLst>
+                                          <p:attrName>style.visibility</p:attrName>
+                                        </p:attrNameLst>
+                                      </p:cBhvr>
+                                      <p:to>
+                                        <p:strVal val="visible"/>
+                                      </p:to>
+                                    </p:set>
+                                    <p:anim calcmode="lin" valueType="num">
+                                      <p:cBhvr additive="base">
+                                        <p:cTn id="7" dur="250" fill="hold"/>
+                                        <p:tgtEl>
+                                          <p:spTgt spid="2"/>
+                                        </p:tgtEl>
+                                        <p:attrNameLst>
+                                          <p:attrName>ppt_x</p:attrName>
+                                        </p:attrNameLst>
+                                      </p:cBhvr>
+                                      <p:tavLst>
+                                        <p:tav tm="0">
+                                          <p:val>
+                                            <p:strVal val="0-#ppt_w/2"/>
+                                          </p:val>
+                                        </p:tav>
+                                        <p:tav tm="100000">
+                                          <p:val>
+                                            <p:strVal val="#ppt_x"/>
+                                          </p:val>
+                                        </p:tav>
+                                      </p:tavLst>
+                                    </p:anim>
+                                    <p:anim calcmode="lin" valueType="num">
+                                      <p:cBhvr additive="base">
+                                        <p:cTn id="8" dur="250" fill="hold"/>
+                                        <p:tgtEl>
+                                          <p:spTgt spid="2"/>
+                                        </p:tgtEl>
+                                        <p:attrNameLst>
+                                          <p:attrName>ppt_y</p:attrName>
+                                        </p:attrNameLst>
+                                      </p:cBhvr>
+                                      <p:tavLst>
+                                        <p:tav tm="0">
+                                          <p:val>
+                                            <p:strVal val="#ppt_y"/>
+                                          </p:val>
+                                        </p:tav>
+                                        <p:tav tm="100000">
+                                          <p:val>
+                                            <p:strVal val="#ppt_y"/>
+                                          </p:val>
+                                        </p:tav>
+                                      </p:tavLst>
+                                    </p:anim>
+                                  </p:childTnLst>
+                                </p:cTn>
+                              </p:par>
+                            </p:childTnLst>
+                          </p:cTn>
+                        </p:par>
+                      </p:childTnLst>
+                    </p:cTn>
+                  </p:par>
+                  <p:par>
+                    <p:cTn id="9" fill="hold">
+                      <p:stCondLst>
+                        <p:cond delay="indefinite"/>
+                      </p:stCondLst>
+                      <p:childTnLst>
+                        <p:par>
+                          <p:cTn id="10" fill="hold">
+                            <p:stCondLst>
+                              <p:cond delay="0"/>
+                            </p:stCondLst>
+                            <p:childTnLst>
+                              <p:par>
+                                <p:cTn id="11" presetID="10" presetClass="entr" presetSubtype="0" fill="hold" nodeType="clickEffect">
+                                  <p:stCondLst>
+                                    <p:cond delay="0"/>
+                                  </p:stCondLst>
+                                  <p:childTnLst>
+                                    <p:set>
+                                      <p:cBhvr>
+                                        <p:cTn id="12" dur="1" fill="hold">
+                                          <p:stCondLst>
+                                            <p:cond delay="0"/>
+                                          </p:stCondLst>
+                                        </p:cTn>
+                                        <p:tgtEl>
+                                          <p:spTgt spid="4"/>
+                                        </p:tgtEl>
+                                        <p:attrNameLst>
+                                          <p:attrName>style.visibility</p:attrName>
+                                        </p:attrNameLst>
+                                      </p:cBhvr>
+                                      <p:to>
+                                        <p:strVal val="visible"/>
+                                      </p:to>
+                                    </p:set>
+                                    <p:animEffect transition="in" filter="fade">
+                                      <p:cBhvr>
+                                        <p:cTn id="13" dur="500"/>
+                                        <p:tgtEl>
+                                          <p:spTgt spid="4"/>
+                                        </p:tgtEl>
+                                      </p:cBhvr>
+                                    </p:animEffect>
+                                  </p:childTnLst>
+                                </p:cTn>
+                              </p:par>
+                            </p:childTnLst>
+                          </p:cTn>
+                        </p:par>
+                      </p:childTnLst>
+                    </p:cTn>
+                  </p:par>
+                  <p:par>
+                    <p:cTn id="14" fill="hold">
+                      <p:stCondLst>
+                        <p:cond delay="indefinite"/>
+                      </p:stCondLst>
+                      <p:childTnLst>
+                        <p:par>
+                          <p:cTn id="15" fill="hold">
+                            <p:stCondLst>
+                              <p:cond delay="0"/>
+                            </p:stCondLst>
+                            <p:childTnLst>
+                              <p:par>
+                                <p:cTn id="16" presetID="10" presetClass="entr" presetSubtype="0" fill="hold" grpId="0" nodeType="clickEffect">
+                                  <p:stCondLst>
+                                    <p:cond delay="0"/>
+                                  </p:stCondLst>
+                                  <p:childTnLst>
+                                    <p:set>
+                                      <p:cBhvr>
+                                        <p:cTn id="17" dur="1" fill="hold">
+                                          <p:stCondLst>
+                                            <p:cond delay="0"/>
+                                          </p:stCondLst>
+                                        </p:cTn>
+                                        <p:tgtEl>
+                                          <p:spTgt spid="6"/>
+                                        </p:tgtEl>
+                                        <p:attrNameLst>
+                                          <p:attrName>style.visibility</p:attrName>
+                                        </p:attrNameLst>
+                                      </p:cBhvr>
+                                      <p:to>
+                                        <p:strVal val="visible"/>
+                                      </p:to>
+                                    </p:set>
+                                    <p:animEffect transition="in" filter="fade">
+                                      <p:cBhvr>
+                                        <p:cTn id="18" dur="500"/>
+                                        <p:tgtEl>
+                                          <p:spTgt spid="6"/>
+                                        </p:tgtEl>
+                                      </p:cBhvr>
+                                    </p:animEffect>
+                                  </p:childTnLst>
+                                </p:cTn>
+                              </p:par>
+                              <p:par>
+                                <p:cTn id="19" presetID="10" presetClass="entr" presetSubtype="0" fill="hold" grpId="0" nodeType="withEffect">
+                                  <p:stCondLst>
+                                    <p:cond delay="0"/>
+                                  </p:stCondLst>
+                                  <p:childTnLst>
+                                    <p:set>
+                                      <p:cBhvr>
+                                        <p:cTn id="20" dur="1" fill="hold">
+                                          <p:stCondLst>
+                                            <p:cond delay="0"/>
+                                          </p:stCondLst>
+                                        </p:cTn>
+                                        <p:tgtEl>
+                                          <p:spTgt spid="8"/>
+                                        </p:tgtEl>
+                                        <p:attrNameLst>
+                                          <p:attrName>style.visibility</p:attrName>
+                                        </p:attrNameLst>
+                                      </p:cBhvr>
+                                      <p:to>
+                                        <p:strVal val="visible"/>
+                                      </p:to>
+                                    </p:set>
+                                    <p:animEffect transition="in" filter="fade">
+                                      <p:cBhvr>
+                                        <p:cTn id="21" dur="500"/>
+                                        <p:tgtEl>
+                                          <p:spTgt spid="8"/>
+                                        </p:tgtEl>
+                                      </p:cBhvr>
+                                    </p:animEffect>
+                                  </p:childTnLst>
+                                </p:cTn>
+                              </p:par>
+                            </p:childTnLst>
+                          </p:cTn>
+                        </p:par>
+                      </p:childTnLst>
+                    </p:cTn>
+                  </p:par>
+                  <p:par>
+                    <p:cTn id="22" fill="hold">
+                      <p:stCondLst>
+                        <p:cond delay="indefinite"/>
+                      </p:stCondLst>
+                      <p:childTnLst>
+                        <p:par>
+                          <p:cTn id="23" fill="hold">
+                            <p:stCondLst>
+                              <p:cond delay="0"/>
+                            </p:stCondLst>
+                            <p:childTnLst>
+                              <p:par>
+                                <p:cTn id="24" presetID="10" presetClass="entr" presetSubtype="0" fill="hold" grpId="0" nodeType="clickEffect">
+                                  <p:stCondLst>
+                                    <p:cond delay="0"/>
+                                  </p:stCondLst>
+                                  <p:childTnLst>
+                                    <p:set>
+                                      <p:cBhvr>
+                                        <p:cTn id="25" dur="1" fill="hold">
+                                          <p:stCondLst>
+                                            <p:cond delay="0"/>
+                                          </p:stCondLst>
+                                        </p:cTn>
+                                        <p:tgtEl>
+                                          <p:spTgt spid="12"/>
+                                        </p:tgtEl>
+                                        <p:attrNameLst>
+                                          <p:attrName>style.visibility</p:attrName>
+                                        </p:attrNameLst>
+                                      </p:cBhvr>
+                                      <p:to>
+                                        <p:strVal val="visible"/>
+                                      </p:to>
+                                    </p:set>
+                                    <p:animEffect transition="in" filter="fade">
+                                      <p:cBhvr>
+                                        <p:cTn id="26" dur="500"/>
+                                        <p:tgtEl>
+                                          <p:spTgt spid="12"/>
+                                        </p:tgtEl>
+                                      </p:cBhvr>
+                                    </p:animEffect>
+                                  </p:childTnLst>
+                                </p:cTn>
+                              </p:par>
+                            </p:childTnLst>
+                          </p:cTn>
+                        </p:par>
+                      </p:childTnLst>
+                    </p:cTn>
+                  </p:par>
+                  <p:par>
+                    <p:cTn id="27" fill="hold">
+                      <p:stCondLst>
+                        <p:cond delay="indefinite"/>
+                      </p:stCondLst>
+                      <p:childTnLst>
+                        <p:par>
+                          <p:cTn id="28" fill="hold">
+                            <p:stCondLst>
+                              <p:cond delay="0"/>
+                            </p:stCondLst>
+                            <p:childTnLst>
+                              <p:par>
+                                <p:cTn id="29" presetID="10" presetClass="entr" presetSubtype="0" fill="hold" nodeType="clickEffect">
+                                  <p:stCondLst>
+                                    <p:cond delay="0"/>
+                                  </p:stCondLst>
+                                  <p:childTnLst>
+                                    <p:set>
+                                      <p:cBhvr>
+                                        <p:cTn id="30" dur="1" fill="hold">
+                                          <p:stCondLst>
+                                            <p:cond delay="0"/>
+                                          </p:stCondLst>
+                                        </p:cTn>
+                                        <p:tgtEl>
+                                          <p:spTgt spid="5"/>
+                                        </p:tgtEl>
+                                        <p:attrNameLst>
+                                          <p:attrName>style.visibility</p:attrName>
+                                        </p:attrNameLst>
+                                      </p:cBhvr>
+                                      <p:to>
+                                        <p:strVal val="visible"/>
+                                      </p:to>
+                                    </p:set>
+                                    <p:animEffect transition="in" filter="fade">
+                                      <p:cBhvr>
+                                        <p:cTn id="31" dur="500"/>
+                                        <p:tgtEl>
+                                          <p:spTgt spid="5"/>
+                                        </p:tgtEl>
+                                      </p:cBhvr>
+                                    </p:animEffect>
+                                  </p:childTnLst>
+                                </p:cTn>
+                              </p:par>
+                            </p:childTnLst>
+                          </p:cTn>
+                        </p:par>
+                      </p:childTnLst>
+                    </p:cTn>
+                  </p:par>
+                  <p:par>
+                    <p:cTn id="32" fill="hold">
+                      <p:stCondLst>
+                        <p:cond delay="indefinite"/>
+                      </p:stCondLst>
+                      <p:childTnLst>
+                        <p:par>
+                          <p:cTn id="33" fill="hold">
+                            <p:stCondLst>
+                              <p:cond delay="0"/>
+                            </p:stCondLst>
+                            <p:childTnLst>
+                              <p:par>
+                                <p:cTn id="34" presetID="10" presetClass="entr" presetSubtype="0" fill="hold" grpId="0" nodeType="clickEffect">
+                                  <p:stCondLst>
+                                    <p:cond delay="0"/>
+                                  </p:stCondLst>
+                                  <p:childTnLst>
+                                    <p:set>
+                                      <p:cBhvr>
+                                        <p:cTn id="35" dur="1" fill="hold">
+                                          <p:stCondLst>
+                                            <p:cond delay="0"/>
+                                          </p:stCondLst>
+                                        </p:cTn>
+                                        <p:tgtEl>
+                                          <p:spTgt spid="11"/>
+                                        </p:tgtEl>
+                                        <p:attrNameLst>
+                                          <p:attrName>style.visibility</p:attrName>
+                                        </p:attrNameLst>
+                                      </p:cBhvr>
+                                      <p:to>
+                                        <p:strVal val="visible"/>
+                                      </p:to>
+                                    </p:set>
+                                    <p:animEffect transition="in" filter="fade">
+                                      <p:cBhvr>
+                                        <p:cTn id="36" dur="500"/>
+                                        <p:tgtEl>
+                                          <p:spTgt spid="11"/>
+                                        </p:tgtEl>
+                                      </p:cBhvr>
+                                    </p:animEffect>
+                                  </p:childTnLst>
+                                </p:cTn>
+                              </p:par>
+                              <p:par>
+                                <p:cTn id="37" presetID="10" presetClass="entr" presetSubtype="0" fill="hold" grpId="0" nodeType="withEffect">
+                                  <p:stCondLst>
+                                    <p:cond delay="0"/>
+                                  </p:stCondLst>
+                                  <p:childTnLst>
+                                    <p:set>
+                                      <p:cBhvr>
+                                        <p:cTn id="38" dur="1" fill="hold">
+                                          <p:stCondLst>
+                                            <p:cond delay="0"/>
+                                          </p:stCondLst>
+                                        </p:cTn>
+                                        <p:tgtEl>
+                                          <p:spTgt spid="10"/>
+                                        </p:tgtEl>
+                                        <p:attrNameLst>
+                                          <p:attrName>style.visibility</p:attrName>
+                                        </p:attrNameLst>
+                                      </p:cBhvr>
+                                      <p:to>
+                                        <p:strVal val="visible"/>
+                                      </p:to>
+                                    </p:set>
+                                    <p:animEffect transition="in" filter="fade">
+                                      <p:cBhvr>
+                                        <p:cTn id="39" dur="500"/>
+                                        <p:tgtEl>
+                                          <p:spTgt spid="10"/>
+                                        </p:tgtEl>
+                                      </p:cBhvr>
+                                    </p:animEffect>
+                                  </p:childTnLst>
+                                </p:cTn>
+                              </p:par>
+                            </p:childTnLst>
+                          </p:cTn>
+                        </p:par>
+                      </p:childTnLst>
+                    </p:cTn>
+                  </p:par>
+                  <p:par>
+                    <p:cTn id="40" fill="hold">
+                      <p:stCondLst>
+                        <p:cond delay="indefinite"/>
+                      </p:stCondLst>
+                      <p:childTnLst>
+                        <p:par>
+                          <p:cTn id="41" fill="hold">
+                            <p:stCondLst>
+                              <p:cond delay="0"/>
+                            </p:stCondLst>
+                            <p:childTnLst>
+                              <p:par>
+                                <p:cTn id="42" presetID="10" presetClass="entr" presetSubtype="0" fill="hold" nodeType="clickEffect">
+                                  <p:stCondLst>
+                                    <p:cond delay="0"/>
+                                  </p:stCondLst>
+                                  <p:childTnLst>
+                                    <p:set>
+                                      <p:cBhvr>
+                                        <p:cTn id="43" dur="1" fill="hold">
+                                          <p:stCondLst>
+                                            <p:cond delay="0"/>
+                                          </p:stCondLst>
+                                        </p:cTn>
+                                        <p:tgtEl>
+                                          <p:spTgt spid="13">
+                                            <p:txEl>
+                                              <p:pRg st="0" end="0"/>
+                                            </p:txEl>
+                                          </p:spTgt>
+                                        </p:tgtEl>
+                                        <p:attrNameLst>
+                                          <p:attrName>style.visibility</p:attrName>
+                                        </p:attrNameLst>
+                                      </p:cBhvr>
+                                      <p:to>
+                                        <p:strVal val="visible"/>
+                                      </p:to>
+                                    </p:set>
+                                    <p:animEffect transition="in" filter="fade">
+                                      <p:cBhvr>
+                                        <p:cTn id="44" dur="500"/>
+                                        <p:tgtEl>
+                                          <p:spTgt spid="13">
+                                            <p:txEl>
+                                              <p:pRg st="0" end="0"/>
+                                            </p:txEl>
+                                          </p:spTgt>
+                                        </p:tgtEl>
+                                      </p:cBhvr>
+                                    </p:animEffect>
+                                  </p:childTnLst>
+                                </p:cTn>
+                              </p:par>
+                            </p:childTnLst>
+                          </p:cTn>
+                        </p:par>
+                      </p:childTnLst>
+                    </p:cTn>
+                  </p:par>
+                </p:childTnLst>
+              </p:cTn>
+              <p:prevCondLst>
+                <p:cond evt="onPrev" delay="0">
+                  <p:tgtEl>
+                    <p:sldTgt/>
+                  </p:tgtEl>
+                </p:cond>
+              </p:prevCondLst>
+              <p:nextCondLst>
+                <p:cond evt="onNext" delay="0">
+                  <p:tgtEl>
+                    <p:sldTgt/>
+                  </p:tgtEl>
+                </p:cond>
+              </p:nextCondLst>
+            </p:seq>
+          </p:childTnLst>
+        </p:cTn>
+      </p:par>
+    </p:tnLst>
+    <p:bldLst>
+      <p:bldP spid="2" grpId="0"/>
+      <p:bldP spid="6" grpId="0" animBg="1"/>
+      <p:bldP spid="8" grpId="0"/>
+      <p:bldP spid="10" grpId="0" animBg="1"/>
+      <p:bldP spid="11" grpId="0"/>
+      <p:bldP spid="12" grpId="0"/>
+    </p:bldLst>
+  </p:timing>
+</p:sld>
+</file>
+
+<file path=ppt/slides/slide6.xml><?xml version="1.0" encoding="utf-8"?>
 <p:sld xmlns:a="http://schemas.openxmlformats.org/drawingml/2006/main" xmlns:r="http://schemas.openxmlformats.org/officeDocument/2006/relationships" xmlns:p="http://schemas.openxmlformats.org/presentationml/2006/main">
   <p:cSld>
     <p:bg>
